--- a/Network/12. Network Internet Application.pptx
+++ b/Network/12. Network Internet Application.pptx
@@ -5,7 +5,7 @@
     <p:sldMasterId id="2147483648" r:id="rId1"/>
   </p:sldMasterIdLst>
   <p:notesMasterIdLst>
-    <p:notesMasterId r:id="rId24"/>
+    <p:notesMasterId r:id="rId25"/>
   </p:notesMasterIdLst>
   <p:sldIdLst>
     <p:sldId id="256" r:id="rId2"/>
@@ -22,14 +22,15 @@
     <p:sldId id="467" r:id="rId13"/>
     <p:sldId id="468" r:id="rId14"/>
     <p:sldId id="469" r:id="rId15"/>
-    <p:sldId id="471" r:id="rId16"/>
-    <p:sldId id="470" r:id="rId17"/>
-    <p:sldId id="473" r:id="rId18"/>
-    <p:sldId id="472" r:id="rId19"/>
+    <p:sldId id="470" r:id="rId16"/>
+    <p:sldId id="471" r:id="rId17"/>
+    <p:sldId id="472" r:id="rId18"/>
+    <p:sldId id="473" r:id="rId19"/>
     <p:sldId id="474" r:id="rId20"/>
     <p:sldId id="475" r:id="rId21"/>
     <p:sldId id="476" r:id="rId22"/>
     <p:sldId id="477" r:id="rId23"/>
+    <p:sldId id="478" r:id="rId24"/>
   </p:sldIdLst>
   <p:sldSz cx="12192000" cy="6858000"/>
   <p:notesSz cx="6858000" cy="9144000"/>
@@ -224,7 +225,7 @@
           <a:p>
             <a:fld id="{1BA909BF-503D-46EF-A7F0-824009663C50}" type="datetimeFigureOut">
               <a:rPr lang="ko-KR" altLang="en-US" smtClean="0"/>
-              <a:t>2023-09-19</a:t>
+              <a:t>2023-12-26</a:t>
             </a:fld>
             <a:endParaRPr lang="ko-KR" altLang="en-US"/>
           </a:p>
@@ -806,7 +807,7 @@
           <a:p>
             <a:fld id="{89B3C2D2-5A1C-4C7F-8B84-C4DC8EB1FF56}" type="datetimeFigureOut">
               <a:rPr lang="ko-KR" altLang="en-US" smtClean="0"/>
-              <a:t>2023-09-19</a:t>
+              <a:t>2023-12-26</a:t>
             </a:fld>
             <a:endParaRPr lang="ko-KR" altLang="en-US"/>
           </a:p>
@@ -1004,7 +1005,7 @@
           <a:p>
             <a:fld id="{89B3C2D2-5A1C-4C7F-8B84-C4DC8EB1FF56}" type="datetimeFigureOut">
               <a:rPr lang="ko-KR" altLang="en-US" smtClean="0"/>
-              <a:t>2023-09-19</a:t>
+              <a:t>2023-12-26</a:t>
             </a:fld>
             <a:endParaRPr lang="ko-KR" altLang="en-US"/>
           </a:p>
@@ -1212,7 +1213,7 @@
           <a:p>
             <a:fld id="{89B3C2D2-5A1C-4C7F-8B84-C4DC8EB1FF56}" type="datetimeFigureOut">
               <a:rPr lang="ko-KR" altLang="en-US" smtClean="0"/>
-              <a:t>2023-09-19</a:t>
+              <a:t>2023-12-26</a:t>
             </a:fld>
             <a:endParaRPr lang="ko-KR" altLang="en-US"/>
           </a:p>
@@ -1410,7 +1411,7 @@
           <a:p>
             <a:fld id="{89B3C2D2-5A1C-4C7F-8B84-C4DC8EB1FF56}" type="datetimeFigureOut">
               <a:rPr lang="ko-KR" altLang="en-US" smtClean="0"/>
-              <a:t>2023-09-19</a:t>
+              <a:t>2023-12-26</a:t>
             </a:fld>
             <a:endParaRPr lang="ko-KR" altLang="en-US"/>
           </a:p>
@@ -1685,7 +1686,7 @@
           <a:p>
             <a:fld id="{89B3C2D2-5A1C-4C7F-8B84-C4DC8EB1FF56}" type="datetimeFigureOut">
               <a:rPr lang="ko-KR" altLang="en-US" smtClean="0"/>
-              <a:t>2023-09-19</a:t>
+              <a:t>2023-12-26</a:t>
             </a:fld>
             <a:endParaRPr lang="ko-KR" altLang="en-US"/>
           </a:p>
@@ -1950,7 +1951,7 @@
           <a:p>
             <a:fld id="{89B3C2D2-5A1C-4C7F-8B84-C4DC8EB1FF56}" type="datetimeFigureOut">
               <a:rPr lang="ko-KR" altLang="en-US" smtClean="0"/>
-              <a:t>2023-09-19</a:t>
+              <a:t>2023-12-26</a:t>
             </a:fld>
             <a:endParaRPr lang="ko-KR" altLang="en-US"/>
           </a:p>
@@ -2362,7 +2363,7 @@
           <a:p>
             <a:fld id="{89B3C2D2-5A1C-4C7F-8B84-C4DC8EB1FF56}" type="datetimeFigureOut">
               <a:rPr lang="ko-KR" altLang="en-US" smtClean="0"/>
-              <a:t>2023-09-19</a:t>
+              <a:t>2023-12-26</a:t>
             </a:fld>
             <a:endParaRPr lang="ko-KR" altLang="en-US"/>
           </a:p>
@@ -2503,7 +2504,7 @@
           <a:p>
             <a:fld id="{89B3C2D2-5A1C-4C7F-8B84-C4DC8EB1FF56}" type="datetimeFigureOut">
               <a:rPr lang="ko-KR" altLang="en-US" smtClean="0"/>
-              <a:t>2023-09-19</a:t>
+              <a:t>2023-12-26</a:t>
             </a:fld>
             <a:endParaRPr lang="ko-KR" altLang="en-US"/>
           </a:p>
@@ -2616,7 +2617,7 @@
           <a:p>
             <a:fld id="{89B3C2D2-5A1C-4C7F-8B84-C4DC8EB1FF56}" type="datetimeFigureOut">
               <a:rPr lang="ko-KR" altLang="en-US" smtClean="0"/>
-              <a:t>2023-09-19</a:t>
+              <a:t>2023-12-26</a:t>
             </a:fld>
             <a:endParaRPr lang="ko-KR" altLang="en-US"/>
           </a:p>
@@ -2927,7 +2928,7 @@
           <a:p>
             <a:fld id="{89B3C2D2-5A1C-4C7F-8B84-C4DC8EB1FF56}" type="datetimeFigureOut">
               <a:rPr lang="ko-KR" altLang="en-US" smtClean="0"/>
-              <a:t>2023-09-19</a:t>
+              <a:t>2023-12-26</a:t>
             </a:fld>
             <a:endParaRPr lang="ko-KR" altLang="en-US"/>
           </a:p>
@@ -3215,7 +3216,7 @@
           <a:p>
             <a:fld id="{89B3C2D2-5A1C-4C7F-8B84-C4DC8EB1FF56}" type="datetimeFigureOut">
               <a:rPr lang="ko-KR" altLang="en-US" smtClean="0"/>
-              <a:t>2023-09-19</a:t>
+              <a:t>2023-12-26</a:t>
             </a:fld>
             <a:endParaRPr lang="ko-KR" altLang="en-US"/>
           </a:p>
@@ -3456,7 +3457,7 @@
           <a:p>
             <a:fld id="{89B3C2D2-5A1C-4C7F-8B84-C4DC8EB1FF56}" type="datetimeFigureOut">
               <a:rPr lang="ko-KR" altLang="en-US" smtClean="0"/>
-              <a:t>2023-09-19</a:t>
+              <a:t>2023-12-26</a:t>
             </a:fld>
             <a:endParaRPr lang="ko-KR" altLang="en-US"/>
           </a:p>
@@ -3972,7 +3973,15 @@
             <a:pPr algn="l"/>
             <a:r>
               <a:rPr lang="en-US" altLang="ko-KR" sz="4800" b="1" dirty="0"/>
-              <a:t>Network : Congestion Control</a:t>
+              <a:t>Network : Internet</a:t>
+            </a:r>
+            <a:r>
+              <a:rPr lang="ko-KR" altLang="en-US" sz="4800" b="1" dirty="0"/>
+              <a:t> </a:t>
+            </a:r>
+            <a:r>
+              <a:rPr lang="en-US" altLang="ko-KR" sz="4800" b="1" dirty="0"/>
+              <a:t>Application</a:t>
             </a:r>
             <a:endParaRPr lang="ko-KR" altLang="en-US" sz="4800" b="1" dirty="0"/>
           </a:p>
@@ -4236,7 +4245,7 @@
           <a:p>
             <a:r>
               <a:rPr lang="en-US" altLang="ko-KR" sz="4000" b="1" dirty="0"/>
-              <a:t>Congestion Signaling</a:t>
+              <a:t>MIME (2)</a:t>
             </a:r>
             <a:endParaRPr lang="ko-KR" altLang="en-US" sz="4000" b="1" dirty="0"/>
           </a:p>
@@ -4315,7 +4324,7 @@
         <p:spPr>
           <a:xfrm>
             <a:off x="512472" y="1517119"/>
-            <a:ext cx="10515600" cy="5249441"/>
+            <a:ext cx="11167056" cy="5249441"/>
           </a:xfrm>
         </p:spPr>
         <p:txBody>
@@ -4331,7 +4340,7 @@
             </a:pPr>
             <a:r>
               <a:rPr lang="en-US" altLang="ko-KR" sz="2000" dirty="0"/>
-              <a:t>Implicit congestion signaling</a:t>
+              <a:t>MIME header fields </a:t>
             </a:r>
           </a:p>
           <a:p>
@@ -4342,7 +4351,7 @@
             </a:pPr>
             <a:r>
               <a:rPr lang="en-US" altLang="ko-KR" sz="1600" dirty="0"/>
-              <a:t>With network congestion, transmission delay increases, and/or packets may be discarded</a:t>
+              <a:t>MIME-version </a:t>
             </a:r>
           </a:p>
           <a:p>
@@ -4353,7 +4362,7 @@
             </a:pPr>
             <a:r>
               <a:rPr lang="en-US" altLang="ko-KR" sz="1600" dirty="0"/>
-              <a:t>Source can detect congestion and reduce flow</a:t>
+              <a:t>content-type </a:t>
             </a:r>
           </a:p>
           <a:p>
@@ -4364,18 +4373,7 @@
             </a:pPr>
             <a:r>
               <a:rPr lang="en-US" altLang="ko-KR" sz="1600" dirty="0"/>
-              <a:t>Effective on connectionless (datagram) networks</a:t>
-            </a:r>
-          </a:p>
-          <a:p>
-            <a:pPr>
-              <a:lnSpc>
-                <a:spcPct val="150000"/>
-              </a:lnSpc>
-            </a:pPr>
-            <a:r>
-              <a:rPr lang="en-US" altLang="ko-KR" sz="2000" dirty="0"/>
-              <a:t>Explicit congestion signaling</a:t>
+              <a:t>content-transfer-encoding </a:t>
             </a:r>
           </a:p>
           <a:p>
@@ -4386,7 +4384,7 @@
             </a:pPr>
             <a:r>
               <a:rPr lang="en-US" altLang="ko-KR" sz="1600" dirty="0"/>
-              <a:t>Network alerts end systems of increasing congestion</a:t>
+              <a:t>content-ID </a:t>
             </a:r>
           </a:p>
           <a:p>
@@ -4397,37 +4395,45 @@
             </a:pPr>
             <a:r>
               <a:rPr lang="en-US" altLang="ko-KR" sz="1600" dirty="0"/>
-              <a:t>End systems take steps to reduce offered load</a:t>
-            </a:r>
-          </a:p>
-          <a:p>
-            <a:pPr lvl="1">
-              <a:lnSpc>
-                <a:spcPct val="150000"/>
-              </a:lnSpc>
-            </a:pPr>
-            <a:r>
-              <a:rPr lang="en-US" altLang="ko-KR" sz="1600" dirty="0"/>
-              <a:t>Backwards : congestion avoidance in opposite direction</a:t>
-            </a:r>
-          </a:p>
-          <a:p>
-            <a:pPr lvl="1">
-              <a:lnSpc>
-                <a:spcPct val="150000"/>
-              </a:lnSpc>
-            </a:pPr>
-            <a:r>
-              <a:rPr lang="en-US" altLang="ko-KR" sz="1600" dirty="0"/>
-              <a:t>Forwards : congestion avoidance in same direction</a:t>
-            </a:r>
-          </a:p>
-        </p:txBody>
-      </p:sp>
+              <a:t>content-description</a:t>
+            </a:r>
+          </a:p>
+        </p:txBody>
+      </p:sp>
+      <p:pic>
+        <p:nvPicPr>
+          <p:cNvPr id="6" name="그림 5">
+            <a:extLst>
+              <a:ext uri="{FF2B5EF4-FFF2-40B4-BE49-F238E27FC236}">
+                <a16:creationId xmlns:a16="http://schemas.microsoft.com/office/drawing/2014/main" id="{9D5D0A3E-3ADE-D0D5-01E3-E56BD80B36B2}"/>
+              </a:ext>
+            </a:extLst>
+          </p:cNvPr>
+          <p:cNvPicPr>
+            <a:picLocks noChangeAspect="1"/>
+          </p:cNvPicPr>
+          <p:nvPr/>
+        </p:nvPicPr>
+        <p:blipFill>
+          <a:blip r:embed="rId2"/>
+          <a:stretch>
+            <a:fillRect/>
+          </a:stretch>
+        </p:blipFill>
+        <p:spPr>
+          <a:xfrm>
+            <a:off x="4729624" y="3328416"/>
+            <a:ext cx="7030431" cy="3219899"/>
+          </a:xfrm>
+          <a:prstGeom prst="rect">
+            <a:avLst/>
+          </a:prstGeom>
+        </p:spPr>
+      </p:pic>
     </p:spTree>
     <p:extLst>
       <p:ext uri="{BB962C8B-B14F-4D97-AF65-F5344CB8AC3E}">
-        <p14:creationId xmlns:p14="http://schemas.microsoft.com/office/powerpoint/2010/main" val="4248621479"/>
+        <p14:creationId xmlns:p14="http://schemas.microsoft.com/office/powerpoint/2010/main" val="3498929184"/>
       </p:ext>
     </p:extLst>
   </p:cSld>
@@ -4484,7 +4490,7 @@
           <a:p>
             <a:r>
               <a:rPr lang="en-US" altLang="ko-KR" sz="4000" b="1" dirty="0"/>
-              <a:t>Explicit Signaling Categories</a:t>
+              <a:t>Internet Directory Service (DNS)</a:t>
             </a:r>
             <a:endParaRPr lang="ko-KR" altLang="en-US" sz="4000" b="1" dirty="0"/>
           </a:p>
@@ -4563,7 +4569,7 @@
         <p:spPr>
           <a:xfrm>
             <a:off x="512472" y="1517119"/>
-            <a:ext cx="10515600" cy="5249441"/>
+            <a:ext cx="11167056" cy="5249441"/>
           </a:xfrm>
         </p:spPr>
         <p:txBody>
@@ -4579,7 +4585,7 @@
             </a:pPr>
             <a:r>
               <a:rPr lang="en-US" altLang="ko-KR" sz="2000" dirty="0"/>
-              <a:t>Binary</a:t>
+              <a:t>A directory lookup service that provides a mapping between the name of a host and its numerical address </a:t>
             </a:r>
           </a:p>
           <a:p>
@@ -4590,7 +4596,18 @@
             </a:pPr>
             <a:r>
               <a:rPr lang="en-US" altLang="ko-KR" sz="1600" dirty="0"/>
-              <a:t>A bit set in a packet indicates congestion</a:t>
+              <a:t>essential to the functioning of the Internet </a:t>
+            </a:r>
+          </a:p>
+          <a:p>
+            <a:pPr lvl="1">
+              <a:lnSpc>
+                <a:spcPct val="150000"/>
+              </a:lnSpc>
+            </a:pPr>
+            <a:r>
+              <a:rPr lang="en-US" altLang="ko-KR" sz="1600" dirty="0"/>
+              <a:t>defined in RFCs 1034 and 1035 </a:t>
             </a:r>
           </a:p>
           <a:p>
@@ -4601,7 +4618,7 @@
             </a:pPr>
             <a:r>
               <a:rPr lang="en-US" altLang="ko-KR" sz="2000" dirty="0"/>
-              <a:t>Credit based</a:t>
+              <a:t>Four elements comprise the DNS: </a:t>
             </a:r>
           </a:p>
           <a:p>
@@ -4612,7 +4629,7 @@
             </a:pPr>
             <a:r>
               <a:rPr lang="en-US" altLang="ko-KR" sz="1600" dirty="0"/>
-              <a:t>Indicates how many packets source may send</a:t>
+              <a:t>domain name space </a:t>
             </a:r>
           </a:p>
           <a:p>
@@ -4623,18 +4640,7 @@
             </a:pPr>
             <a:r>
               <a:rPr lang="en-US" altLang="ko-KR" sz="1600" dirty="0"/>
-              <a:t>Common for end to end flow control</a:t>
-            </a:r>
-          </a:p>
-          <a:p>
-            <a:pPr>
-              <a:lnSpc>
-                <a:spcPct val="150000"/>
-              </a:lnSpc>
-            </a:pPr>
-            <a:r>
-              <a:rPr lang="en-US" altLang="ko-KR" sz="2000" dirty="0"/>
-              <a:t>Rate based</a:t>
+              <a:t>DNS database </a:t>
             </a:r>
           </a:p>
           <a:p>
@@ -4645,7 +4651,7 @@
             </a:pPr>
             <a:r>
               <a:rPr lang="en-US" altLang="ko-KR" sz="1600" dirty="0"/>
-              <a:t>Supply explicit data rate limit</a:t>
+              <a:t>name servers </a:t>
             </a:r>
           </a:p>
           <a:p>
@@ -4656,7 +4662,7 @@
             </a:pPr>
             <a:r>
               <a:rPr lang="en-US" altLang="ko-KR" sz="1600" dirty="0"/>
-              <a:t>Nodes along path may request rate reduction</a:t>
+              <a:t>resolvers</a:t>
             </a:r>
           </a:p>
         </p:txBody>
@@ -4664,7 +4670,7 @@
     </p:spTree>
     <p:extLst>
       <p:ext uri="{BB962C8B-B14F-4D97-AF65-F5344CB8AC3E}">
-        <p14:creationId xmlns:p14="http://schemas.microsoft.com/office/powerpoint/2010/main" val="2988132088"/>
+        <p14:creationId xmlns:p14="http://schemas.microsoft.com/office/powerpoint/2010/main" val="3598961798"/>
       </p:ext>
     </p:extLst>
   </p:cSld>
@@ -4721,7 +4727,7 @@
           <a:p>
             <a:r>
               <a:rPr lang="en-US" altLang="ko-KR" sz="4000" b="1" dirty="0"/>
-              <a:t>Traffic Management</a:t>
+              <a:t>Domain</a:t>
             </a:r>
             <a:endParaRPr lang="ko-KR" altLang="en-US" sz="4000" b="1" dirty="0"/>
           </a:p>
@@ -4800,7 +4806,7 @@
         <p:spPr>
           <a:xfrm>
             <a:off x="512472" y="1517119"/>
-            <a:ext cx="10515600" cy="5249441"/>
+            <a:ext cx="11167056" cy="5249441"/>
           </a:xfrm>
         </p:spPr>
         <p:txBody>
@@ -4816,7 +4822,7 @@
             </a:pPr>
             <a:r>
               <a:rPr lang="en-US" altLang="ko-KR" sz="2000" dirty="0"/>
-              <a:t>Fairness</a:t>
+              <a:t>Refers to a group of hosts that are under the administrative control of a single entity </a:t>
             </a:r>
           </a:p>
           <a:p>
@@ -4827,18 +4833,7 @@
             </a:pPr>
             <a:r>
               <a:rPr lang="en-US" altLang="ko-KR" sz="1600" dirty="0"/>
-              <a:t>Provide equal treatment of various flows</a:t>
-            </a:r>
-          </a:p>
-          <a:p>
-            <a:pPr>
-              <a:lnSpc>
-                <a:spcPct val="150000"/>
-              </a:lnSpc>
-            </a:pPr>
-            <a:r>
-              <a:rPr lang="en-US" altLang="ko-KR" sz="2000" dirty="0"/>
-              <a:t>Quality of Service (QoS)</a:t>
+              <a:t>organized hierarchically, so that a given domain may consist of a number of subordinate domains </a:t>
             </a:r>
           </a:p>
           <a:p>
@@ -4849,48 +4844,45 @@
             </a:pPr>
             <a:r>
               <a:rPr lang="en-US" altLang="ko-KR" sz="1600" dirty="0"/>
-              <a:t>Different treatment for different connections</a:t>
-            </a:r>
-          </a:p>
-          <a:p>
-            <a:pPr>
-              <a:lnSpc>
-                <a:spcPct val="150000"/>
-              </a:lnSpc>
-            </a:pPr>
-            <a:r>
-              <a:rPr lang="en-US" altLang="ko-KR" sz="2000" dirty="0"/>
-              <a:t>Reservations</a:t>
-            </a:r>
-          </a:p>
-          <a:p>
-            <a:pPr lvl="1">
-              <a:lnSpc>
-                <a:spcPct val="150000"/>
-              </a:lnSpc>
-            </a:pPr>
-            <a:r>
-              <a:rPr lang="en-US" altLang="ko-KR" sz="1600" dirty="0"/>
-              <a:t>Traffic contract between user and network</a:t>
-            </a:r>
-          </a:p>
-          <a:p>
-            <a:pPr lvl="1">
-              <a:lnSpc>
-                <a:spcPct val="150000"/>
-              </a:lnSpc>
-            </a:pPr>
-            <a:r>
-              <a:rPr lang="en-US" altLang="ko-KR" sz="1600" dirty="0"/>
-              <a:t>Excess traffic discarded or handled on a best-effort basis</a:t>
-            </a:r>
-          </a:p>
-        </p:txBody>
-      </p:sp>
+              <a:t>names are assigned and reflect the hierarchical organization</a:t>
+            </a:r>
+          </a:p>
+        </p:txBody>
+      </p:sp>
+      <p:pic>
+        <p:nvPicPr>
+          <p:cNvPr id="6" name="그림 5">
+            <a:extLst>
+              <a:ext uri="{FF2B5EF4-FFF2-40B4-BE49-F238E27FC236}">
+                <a16:creationId xmlns:a16="http://schemas.microsoft.com/office/drawing/2014/main" id="{B684C9D2-BE3D-E703-5E6A-863014777A48}"/>
+              </a:ext>
+            </a:extLst>
+          </p:cNvPr>
+          <p:cNvPicPr>
+            <a:picLocks noChangeAspect="1"/>
+          </p:cNvPicPr>
+          <p:nvPr/>
+        </p:nvPicPr>
+        <p:blipFill>
+          <a:blip r:embed="rId2"/>
+          <a:stretch>
+            <a:fillRect/>
+          </a:stretch>
+        </p:blipFill>
+        <p:spPr>
+          <a:xfrm>
+            <a:off x="2703266" y="3172968"/>
+            <a:ext cx="6785468" cy="3258753"/>
+          </a:xfrm>
+          <a:prstGeom prst="rect">
+            <a:avLst/>
+          </a:prstGeom>
+        </p:spPr>
+      </p:pic>
     </p:spTree>
     <p:extLst>
       <p:ext uri="{BB962C8B-B14F-4D97-AF65-F5344CB8AC3E}">
-        <p14:creationId xmlns:p14="http://schemas.microsoft.com/office/powerpoint/2010/main" val="2224653722"/>
+        <p14:creationId xmlns:p14="http://schemas.microsoft.com/office/powerpoint/2010/main" val="10503107"/>
       </p:ext>
     </p:extLst>
   </p:cSld>
@@ -4947,7 +4939,7 @@
           <a:p>
             <a:r>
               <a:rPr lang="en-US" altLang="ko-KR" sz="4000" b="1" dirty="0"/>
-              <a:t>Congestion Control in Packet Switched Networks</a:t>
+              <a:t>DNS Name Resolution</a:t>
             </a:r>
             <a:endParaRPr lang="ko-KR" altLang="en-US" sz="4000" b="1" dirty="0"/>
           </a:p>
@@ -5007,160 +4999,40 @@
           </a:p>
         </p:txBody>
       </p:sp>
-      <p:sp>
-        <p:nvSpPr>
-          <p:cNvPr id="4" name="내용 개체 틀 2">
-            <a:extLst>
-              <a:ext uri="{FF2B5EF4-FFF2-40B4-BE49-F238E27FC236}">
-                <a16:creationId xmlns:a16="http://schemas.microsoft.com/office/drawing/2014/main" id="{4CA40259-00C3-CE52-7866-413CA0AD0FA6}"/>
-              </a:ext>
-            </a:extLst>
-          </p:cNvPr>
-          <p:cNvSpPr>
-            <a:spLocks noGrp="1"/>
-          </p:cNvSpPr>
-          <p:nvPr>
-            <p:ph idx="1"/>
-          </p:nvPr>
-        </p:nvSpPr>
-        <p:spPr>
-          <a:xfrm>
-            <a:off x="512472" y="1517119"/>
-            <a:ext cx="10515600" cy="5249441"/>
-          </a:xfrm>
-        </p:spPr>
-        <p:txBody>
-          <a:bodyPr>
-            <a:normAutofit lnSpcReduction="10000"/>
-          </a:bodyPr>
-          <a:lstStyle/>
-          <a:p>
-            <a:pPr>
-              <a:lnSpc>
-                <a:spcPct val="150000"/>
-              </a:lnSpc>
-            </a:pPr>
-            <a:r>
-              <a:rPr lang="en-US" altLang="ko-KR" sz="2000" dirty="0"/>
-              <a:t>Send control packet to some or all source nodes</a:t>
-            </a:r>
-          </a:p>
-          <a:p>
-            <a:pPr lvl="1">
-              <a:lnSpc>
-                <a:spcPct val="150000"/>
-              </a:lnSpc>
-            </a:pPr>
-            <a:r>
-              <a:rPr lang="en-US" altLang="ko-KR" sz="1600" dirty="0"/>
-              <a:t>Requires additional traffic during congestion</a:t>
-            </a:r>
-          </a:p>
-          <a:p>
-            <a:pPr>
-              <a:lnSpc>
-                <a:spcPct val="150000"/>
-              </a:lnSpc>
-            </a:pPr>
-            <a:r>
-              <a:rPr lang="en-US" altLang="ko-KR" sz="2000" dirty="0"/>
-              <a:t>Rely on routing information</a:t>
-            </a:r>
-          </a:p>
-          <a:p>
-            <a:pPr lvl="1">
-              <a:lnSpc>
-                <a:spcPct val="150000"/>
-              </a:lnSpc>
-            </a:pPr>
-            <a:r>
-              <a:rPr lang="en-US" altLang="ko-KR" sz="1600" dirty="0"/>
-              <a:t>May react too quickly</a:t>
-            </a:r>
-          </a:p>
-          <a:p>
-            <a:pPr>
-              <a:lnSpc>
-                <a:spcPct val="150000"/>
-              </a:lnSpc>
-            </a:pPr>
-            <a:r>
-              <a:rPr lang="en-US" altLang="ko-KR" sz="2000" dirty="0"/>
-              <a:t>End to end probe packets</a:t>
-            </a:r>
-          </a:p>
-          <a:p>
-            <a:pPr lvl="1">
-              <a:lnSpc>
-                <a:spcPct val="150000"/>
-              </a:lnSpc>
-            </a:pPr>
-            <a:r>
-              <a:rPr lang="en-US" altLang="ko-KR" sz="1600" dirty="0"/>
-              <a:t>Adds to overhead</a:t>
-            </a:r>
-          </a:p>
-          <a:p>
-            <a:pPr>
-              <a:lnSpc>
-                <a:spcPct val="150000"/>
-              </a:lnSpc>
-            </a:pPr>
-            <a:r>
-              <a:rPr lang="en-US" altLang="ko-KR" sz="2000" dirty="0"/>
-              <a:t>Add congestion info. To packets as they cross nodes</a:t>
-            </a:r>
-          </a:p>
-          <a:p>
-            <a:pPr lvl="1">
-              <a:lnSpc>
-                <a:spcPct val="150000"/>
-              </a:lnSpc>
-            </a:pPr>
-            <a:r>
-              <a:rPr lang="en-US" altLang="ko-KR" sz="1600" dirty="0"/>
-              <a:t>Either backwards or forwards</a:t>
-            </a:r>
-          </a:p>
-          <a:p>
-            <a:pPr>
-              <a:lnSpc>
-                <a:spcPct val="150000"/>
-              </a:lnSpc>
-            </a:pPr>
-            <a:r>
-              <a:rPr lang="en-US" altLang="ko-KR" sz="2000" dirty="0"/>
-              <a:t>So, two categories of TCP congestion control</a:t>
-            </a:r>
-          </a:p>
-          <a:p>
-            <a:pPr lvl="1">
-              <a:lnSpc>
-                <a:spcPct val="150000"/>
-              </a:lnSpc>
-            </a:pPr>
-            <a:r>
-              <a:rPr lang="en-US" altLang="ko-KR" sz="1600" dirty="0"/>
-              <a:t>Retransmission timer management</a:t>
-            </a:r>
-          </a:p>
-          <a:p>
-            <a:pPr lvl="1">
-              <a:lnSpc>
-                <a:spcPct val="150000"/>
-              </a:lnSpc>
-            </a:pPr>
-            <a:r>
-              <a:rPr lang="en-US" altLang="ko-KR" sz="1600" dirty="0"/>
-              <a:t>Window management</a:t>
-            </a:r>
-          </a:p>
-        </p:txBody>
-      </p:sp>
+      <p:pic>
+        <p:nvPicPr>
+          <p:cNvPr id="6" name="그림 5">
+            <a:extLst>
+              <a:ext uri="{FF2B5EF4-FFF2-40B4-BE49-F238E27FC236}">
+                <a16:creationId xmlns:a16="http://schemas.microsoft.com/office/drawing/2014/main" id="{2D7BC9FA-7C09-DCE9-884C-9458F7DE5E3A}"/>
+              </a:ext>
+            </a:extLst>
+          </p:cNvPr>
+          <p:cNvPicPr>
+            <a:picLocks noChangeAspect="1"/>
+          </p:cNvPicPr>
+          <p:nvPr/>
+        </p:nvPicPr>
+        <p:blipFill>
+          <a:blip r:embed="rId2"/>
+          <a:stretch>
+            <a:fillRect/>
+          </a:stretch>
+        </p:blipFill>
+        <p:spPr>
+          <a:xfrm>
+            <a:off x="1910307" y="1417648"/>
+            <a:ext cx="8371386" cy="5248796"/>
+          </a:xfrm>
+          <a:prstGeom prst="rect">
+            <a:avLst/>
+          </a:prstGeom>
+        </p:spPr>
+      </p:pic>
     </p:spTree>
     <p:extLst>
       <p:ext uri="{BB962C8B-B14F-4D97-AF65-F5344CB8AC3E}">
-        <p14:creationId xmlns:p14="http://schemas.microsoft.com/office/powerpoint/2010/main" val="210332311"/>
+        <p14:creationId xmlns:p14="http://schemas.microsoft.com/office/powerpoint/2010/main" val="1113800200"/>
       </p:ext>
     </p:extLst>
   </p:cSld>
@@ -5217,7 +5089,7 @@
           <a:p>
             <a:r>
               <a:rPr lang="en-US" altLang="ko-KR" sz="4000" b="1" dirty="0"/>
-              <a:t>Retransmission Timer Management (1)</a:t>
+              <a:t>HTTP</a:t>
             </a:r>
             <a:endParaRPr lang="ko-KR" altLang="en-US" sz="4000" b="1" dirty="0"/>
           </a:p>
@@ -5296,7 +5168,7 @@
         <p:spPr>
           <a:xfrm>
             <a:off x="512472" y="1517119"/>
-            <a:ext cx="10515600" cy="5249441"/>
+            <a:ext cx="11167056" cy="5249441"/>
           </a:xfrm>
         </p:spPr>
         <p:txBody>
@@ -5312,7 +5184,7 @@
             </a:pPr>
             <a:r>
               <a:rPr lang="en-US" altLang="ko-KR" sz="2000" dirty="0"/>
-              <a:t>As network conditions change, a static retransmission timer is likely to be either too long or too short</a:t>
+              <a:t>Transaction-oriented client/server protocol </a:t>
             </a:r>
           </a:p>
           <a:p>
@@ -5323,7 +5195,7 @@
             </a:pPr>
             <a:r>
               <a:rPr lang="en-US" altLang="ko-KR" sz="1600" dirty="0"/>
-              <a:t>All TCP attempt to estimate the current round-trip time and then set the timer to a value somewhat greater than the estimated time</a:t>
+              <a:t>most typical use is between a Web browser and a Web server </a:t>
             </a:r>
           </a:p>
           <a:p>
@@ -5334,65 +5206,17 @@
             </a:pPr>
             <a:r>
               <a:rPr lang="en-US" altLang="ko-KR" sz="1600" dirty="0"/>
-              <a:t>Simple average</a:t>
-            </a:r>
-          </a:p>
-          <a:p>
-            <a:pPr lvl="1">
-              <a:lnSpc>
-                <a:spcPct val="150000"/>
-              </a:lnSpc>
-            </a:pPr>
-            <a:endParaRPr lang="en-US" altLang="ko-KR" sz="1600" dirty="0"/>
-          </a:p>
-          <a:p>
-            <a:pPr lvl="1">
-              <a:lnSpc>
-                <a:spcPct val="150000"/>
-              </a:lnSpc>
-            </a:pPr>
-            <a:r>
-              <a:rPr lang="en-US" altLang="ko-KR" sz="1600" dirty="0"/>
-              <a:t>Exponential average : RFC 793</a:t>
+              <a:t>makes use of TCP to provide reliability</a:t>
             </a:r>
           </a:p>
         </p:txBody>
       </p:sp>
       <p:pic>
         <p:nvPicPr>
-          <p:cNvPr id="6" name="그림 5">
-            <a:extLst>
-              <a:ext uri="{FF2B5EF4-FFF2-40B4-BE49-F238E27FC236}">
-                <a16:creationId xmlns:a16="http://schemas.microsoft.com/office/drawing/2014/main" id="{603D79AC-AE08-ADAF-21D7-AAC62CE686BE}"/>
-              </a:ext>
-            </a:extLst>
-          </p:cNvPr>
-          <p:cNvPicPr>
-            <a:picLocks noChangeAspect="1"/>
-          </p:cNvPicPr>
-          <p:nvPr/>
-        </p:nvPicPr>
-        <p:blipFill rotWithShape="1">
-          <a:blip r:embed="rId2"/>
-          <a:srcRect t="8440"/>
-          <a:stretch/>
-        </p:blipFill>
-        <p:spPr>
-          <a:xfrm>
-            <a:off x="1298195" y="3722888"/>
-            <a:ext cx="6703737" cy="418951"/>
-          </a:xfrm>
-          <a:prstGeom prst="rect">
-            <a:avLst/>
-          </a:prstGeom>
-        </p:spPr>
-      </p:pic>
-      <p:pic>
-        <p:nvPicPr>
-          <p:cNvPr id="10" name="그림 9">
-            <a:extLst>
-              <a:ext uri="{FF2B5EF4-FFF2-40B4-BE49-F238E27FC236}">
-                <a16:creationId xmlns:a16="http://schemas.microsoft.com/office/drawing/2014/main" id="{A7E7BA3B-FAED-CB4F-7E63-B50F1DF4F319}"/>
+          <p:cNvPr id="7" name="그림 6">
+            <a:extLst>
+              <a:ext uri="{FF2B5EF4-FFF2-40B4-BE49-F238E27FC236}">
+                <a16:creationId xmlns:a16="http://schemas.microsoft.com/office/drawing/2014/main" id="{59C0688B-B4D3-0F49-EE97-97D5C784211A}"/>
               </a:ext>
             </a:extLst>
           </p:cNvPr>
@@ -5402,15 +5226,15 @@
           <p:nvPr/>
         </p:nvPicPr>
         <p:blipFill>
-          <a:blip r:embed="rId3"/>
+          <a:blip r:embed="rId2"/>
           <a:stretch>
             <a:fillRect/>
           </a:stretch>
         </p:blipFill>
         <p:spPr>
           <a:xfrm>
-            <a:off x="1298195" y="4659049"/>
-            <a:ext cx="7524021" cy="1688559"/>
+            <a:off x="2902385" y="3127248"/>
+            <a:ext cx="5802239" cy="3539196"/>
           </a:xfrm>
           <a:prstGeom prst="rect">
             <a:avLst/>
@@ -5420,7 +5244,7 @@
     </p:spTree>
     <p:extLst>
       <p:ext uri="{BB962C8B-B14F-4D97-AF65-F5344CB8AC3E}">
-        <p14:creationId xmlns:p14="http://schemas.microsoft.com/office/powerpoint/2010/main" val="1243834348"/>
+        <p14:creationId xmlns:p14="http://schemas.microsoft.com/office/powerpoint/2010/main" val="2740567055"/>
       </p:ext>
     </p:extLst>
   </p:cSld>
@@ -5477,7 +5301,7 @@
           <a:p>
             <a:r>
               <a:rPr lang="en-US" altLang="ko-KR" sz="4000" b="1" dirty="0"/>
-              <a:t>Retransmission Timer Management (2)</a:t>
+              <a:t>Proxy</a:t>
             </a:r>
             <a:endParaRPr lang="ko-KR" altLang="en-US" sz="4000" b="1" dirty="0"/>
           </a:p>
@@ -5556,7 +5380,7 @@
         <p:spPr>
           <a:xfrm>
             <a:off x="512472" y="1517119"/>
-            <a:ext cx="10515600" cy="5249441"/>
+            <a:ext cx="11167056" cy="5249441"/>
           </a:xfrm>
         </p:spPr>
         <p:txBody>
@@ -5572,7 +5396,7 @@
             </a:pPr>
             <a:r>
               <a:rPr lang="en-US" altLang="ko-KR" sz="2000" dirty="0"/>
-              <a:t>Jacobson’s algorithm</a:t>
+              <a:t>It is a kind of forwarding agent </a:t>
             </a:r>
           </a:p>
           <a:p>
@@ -5583,7 +5407,7 @@
             </a:pPr>
             <a:r>
               <a:rPr lang="en-US" altLang="ko-KR" sz="1600" dirty="0"/>
-              <a:t>RTT exhibits a relatively high variance</a:t>
+              <a:t>receiving a request for a URL object, modifying the request, and </a:t>
             </a:r>
           </a:p>
           <a:p>
@@ -5594,72 +5418,59 @@
             </a:pPr>
             <a:r>
               <a:rPr lang="en-US" altLang="ko-KR" sz="1600" dirty="0"/>
-              <a:t>With low variance of RTT, RTO is too high, whilst in an unstable environment, </a:t>
-            </a:r>
-            <a:r>
-              <a:rPr lang="el-GR" altLang="ko-KR" sz="1600" dirty="0"/>
-              <a:t>β</a:t>
-            </a:r>
+              <a:t>forwarding the request toward the server identified in the URL </a:t>
+            </a:r>
+          </a:p>
+          <a:p>
+            <a:pPr>
+              <a:lnSpc>
+                <a:spcPct val="150000"/>
+              </a:lnSpc>
+            </a:pPr>
+            <a:r>
+              <a:rPr lang="en-US" altLang="ko-KR" sz="2000" dirty="0"/>
+              <a:t>Acts as a server in interacting with a client and as a client in interacting with a server </a:t>
+            </a:r>
+          </a:p>
+          <a:p>
+            <a:pPr>
+              <a:lnSpc>
+                <a:spcPct val="150000"/>
+              </a:lnSpc>
+            </a:pPr>
+            <a:r>
+              <a:rPr lang="en-US" altLang="ko-KR" sz="2000" dirty="0"/>
+              <a:t>Scenarios that call for the use of a proxy: </a:t>
+            </a:r>
+          </a:p>
+          <a:p>
+            <a:pPr lvl="1">
+              <a:lnSpc>
+                <a:spcPct val="150000"/>
+              </a:lnSpc>
+            </a:pPr>
             <a:r>
               <a:rPr lang="en-US" altLang="ko-KR" sz="1600" dirty="0"/>
-              <a:t> = 2 may be inadequate with unnecessary </a:t>
-            </a:r>
-            <a:r>
-              <a:rPr lang="en-US" altLang="ko-KR" sz="1600" dirty="0" err="1"/>
-              <a:t>retrans</a:t>
-            </a:r>
+              <a:t>security intermediary (such as a firewall)</a:t>
+            </a:r>
+          </a:p>
+          <a:p>
+            <a:pPr lvl="1">
+              <a:lnSpc>
+                <a:spcPct val="150000"/>
+              </a:lnSpc>
+            </a:pPr>
             <a:r>
               <a:rPr lang="en-US" altLang="ko-KR" sz="1600" dirty="0"/>
-              <a:t>.</a:t>
-            </a:r>
-          </a:p>
-          <a:p>
-            <a:pPr lvl="1">
-              <a:lnSpc>
-                <a:spcPct val="150000"/>
-              </a:lnSpc>
-            </a:pPr>
-            <a:r>
-              <a:rPr lang="en-US" altLang="ko-KR" sz="1600" dirty="0"/>
-              <a:t>Again, give greater weight to more recent instances because they are more likely to reflect future behavior</a:t>
-            </a:r>
-          </a:p>
-        </p:txBody>
-      </p:sp>
-      <p:pic>
-        <p:nvPicPr>
-          <p:cNvPr id="9" name="그림 8">
-            <a:extLst>
-              <a:ext uri="{FF2B5EF4-FFF2-40B4-BE49-F238E27FC236}">
-                <a16:creationId xmlns:a16="http://schemas.microsoft.com/office/drawing/2014/main" id="{A807D688-9A00-7F0B-D9EE-8EE9BA11FF11}"/>
-              </a:ext>
-            </a:extLst>
-          </p:cNvPr>
-          <p:cNvPicPr>
-            <a:picLocks noChangeAspect="1"/>
-          </p:cNvPicPr>
-          <p:nvPr/>
-        </p:nvPicPr>
-        <p:blipFill>
-          <a:blip r:embed="rId2"/>
-          <a:stretch>
-            <a:fillRect/>
-          </a:stretch>
-        </p:blipFill>
-        <p:spPr>
-          <a:xfrm>
-            <a:off x="1312237" y="4267785"/>
-            <a:ext cx="6697907" cy="2146192"/>
-          </a:xfrm>
-          <a:prstGeom prst="rect">
-            <a:avLst/>
-          </a:prstGeom>
-        </p:spPr>
-      </p:pic>
+              <a:t>different versions of HTTP (the proxy can implement both versions and perform the required mapping)</a:t>
+            </a:r>
+          </a:p>
+        </p:txBody>
+      </p:sp>
     </p:spTree>
     <p:extLst>
       <p:ext uri="{BB962C8B-B14F-4D97-AF65-F5344CB8AC3E}">
-        <p14:creationId xmlns:p14="http://schemas.microsoft.com/office/powerpoint/2010/main" val="3377632169"/>
+        <p14:creationId xmlns:p14="http://schemas.microsoft.com/office/powerpoint/2010/main" val="4214012971"/>
       </p:ext>
     </p:extLst>
   </p:cSld>
@@ -5716,14 +5527,7 @@
           <a:p>
             <a:r>
               <a:rPr lang="en-US" altLang="ko-KR" sz="4000" b="1" dirty="0"/>
-              <a:t>Jacobson’s </a:t>
-            </a:r>
-            <a:br>
-              <a:rPr lang="en-US" altLang="ko-KR" sz="4000" b="1" dirty="0"/>
-            </a:br>
-            <a:r>
-              <a:rPr lang="en-US" altLang="ko-KR" sz="4000" b="1" dirty="0"/>
-              <a:t>RTO Calculation</a:t>
+              <a:t>Intermediate HTTP Systems</a:t>
             </a:r>
             <a:endParaRPr lang="ko-KR" altLang="en-US" sz="4000" b="1" dirty="0"/>
           </a:p>
@@ -5785,10 +5589,10 @@
       </p:sp>
       <p:pic>
         <p:nvPicPr>
-          <p:cNvPr id="14" name="그림 13">
-            <a:extLst>
-              <a:ext uri="{FF2B5EF4-FFF2-40B4-BE49-F238E27FC236}">
-                <a16:creationId xmlns:a16="http://schemas.microsoft.com/office/drawing/2014/main" id="{00F7BF58-418A-EAEF-89E6-B3E7A87D0B41}"/>
+          <p:cNvPr id="8" name="그림 7">
+            <a:extLst>
+              <a:ext uri="{FF2B5EF4-FFF2-40B4-BE49-F238E27FC236}">
+                <a16:creationId xmlns:a16="http://schemas.microsoft.com/office/drawing/2014/main" id="{B64EEF58-D6C8-D6A5-D842-4B77B05D8DBA}"/>
               </a:ext>
             </a:extLst>
           </p:cNvPr>
@@ -5797,15 +5601,16 @@
           </p:cNvPicPr>
           <p:nvPr/>
         </p:nvPicPr>
-        <p:blipFill rotWithShape="1">
+        <p:blipFill>
           <a:blip r:embed="rId2"/>
-          <a:srcRect l="1750" t="656"/>
-          <a:stretch/>
+          <a:stretch>
+            <a:fillRect/>
+          </a:stretch>
         </p:blipFill>
         <p:spPr>
           <a:xfrm>
-            <a:off x="5605272" y="381072"/>
-            <a:ext cx="5175504" cy="6285372"/>
+            <a:off x="2153667" y="1701295"/>
+            <a:ext cx="7720074" cy="4965149"/>
           </a:xfrm>
           <a:prstGeom prst="rect">
             <a:avLst/>
@@ -5815,7 +5620,7 @@
     </p:spTree>
     <p:extLst>
       <p:ext uri="{BB962C8B-B14F-4D97-AF65-F5344CB8AC3E}">
-        <p14:creationId xmlns:p14="http://schemas.microsoft.com/office/powerpoint/2010/main" val="1607479112"/>
+        <p14:creationId xmlns:p14="http://schemas.microsoft.com/office/powerpoint/2010/main" val="704578855"/>
       </p:ext>
     </p:extLst>
   </p:cSld>
@@ -5872,7 +5677,7 @@
           <a:p>
             <a:r>
               <a:rPr lang="en-US" altLang="ko-KR" sz="4000" b="1" dirty="0"/>
-              <a:t>Exponential RTO Backoff</a:t>
+              <a:t>Internet Multimedia Support</a:t>
             </a:r>
             <a:endParaRPr lang="ko-KR" altLang="en-US" sz="4000" b="1" dirty="0"/>
           </a:p>
@@ -5937,7 +5742,7 @@
           <p:cNvPr id="4" name="내용 개체 틀 2">
             <a:extLst>
               <a:ext uri="{FF2B5EF4-FFF2-40B4-BE49-F238E27FC236}">
-                <a16:creationId xmlns:a16="http://schemas.microsoft.com/office/drawing/2014/main" id="{4C0BA6D9-AE67-1553-7817-63CC110F4841}"/>
+                <a16:creationId xmlns:a16="http://schemas.microsoft.com/office/drawing/2014/main" id="{4CA40259-00C3-CE52-7866-413CA0AD0FA6}"/>
               </a:ext>
             </a:extLst>
           </p:cNvPr>
@@ -5951,7 +5756,7 @@
         <p:spPr>
           <a:xfrm>
             <a:off x="512472" y="1517119"/>
-            <a:ext cx="10515600" cy="5249441"/>
+            <a:ext cx="11167056" cy="5249441"/>
           </a:xfrm>
         </p:spPr>
         <p:txBody>
@@ -5967,7 +5772,7 @@
             </a:pPr>
             <a:r>
               <a:rPr lang="en-US" altLang="ko-KR" sz="2000" dirty="0"/>
-              <a:t>When a TCP sender times out on a segment, it must retransmit that segment</a:t>
+              <a:t>Requirements for real-time communication </a:t>
             </a:r>
           </a:p>
           <a:p>
@@ -5978,115 +5783,103 @@
             </a:pPr>
             <a:r>
               <a:rPr lang="en-US" altLang="ko-KR" sz="1600" dirty="0"/>
-              <a:t>Timeout probably due to congestion, such</a:t>
-            </a:r>
-            <a:r>
-              <a:rPr lang="ko-KR" altLang="en-US" sz="1600" dirty="0"/>
-              <a:t> </a:t>
-            </a:r>
+              <a:t>low jitter </a:t>
+            </a:r>
+          </a:p>
+          <a:p>
+            <a:pPr lvl="1">
+              <a:lnSpc>
+                <a:spcPct val="150000"/>
+              </a:lnSpc>
+            </a:pPr>
             <a:r>
               <a:rPr lang="en-US" altLang="ko-KR" sz="1600" dirty="0"/>
-              <a:t>as</a:t>
-            </a:r>
-            <a:r>
-              <a:rPr lang="ko-KR" altLang="en-US" sz="1600" dirty="0"/>
-              <a:t> </a:t>
-            </a:r>
+              <a:t>low latency </a:t>
+            </a:r>
+          </a:p>
+          <a:p>
+            <a:pPr lvl="1">
+              <a:lnSpc>
+                <a:spcPct val="150000"/>
+              </a:lnSpc>
+            </a:pPr>
             <a:r>
               <a:rPr lang="en-US" altLang="ko-KR" sz="1600" dirty="0"/>
-              <a:t>dropped</a:t>
-            </a:r>
-            <a:r>
-              <a:rPr lang="ko-KR" altLang="en-US" sz="1600" dirty="0"/>
-              <a:t> </a:t>
-            </a:r>
+              <a:t>ability to easily integrate non-real-time and real-time services </a:t>
+            </a:r>
+          </a:p>
+          <a:p>
+            <a:pPr lvl="1">
+              <a:lnSpc>
+                <a:spcPct val="150000"/>
+              </a:lnSpc>
+            </a:pPr>
             <a:r>
               <a:rPr lang="en-US" altLang="ko-KR" sz="1600" dirty="0"/>
-              <a:t>packet</a:t>
-            </a:r>
-            <a:r>
-              <a:rPr lang="ko-KR" altLang="en-US" sz="1600" dirty="0"/>
-              <a:t> </a:t>
-            </a:r>
+              <a:t>adaptable to dynamically changing network and traffic conditions </a:t>
+            </a:r>
+          </a:p>
+          <a:p>
+            <a:pPr lvl="1">
+              <a:lnSpc>
+                <a:spcPct val="150000"/>
+              </a:lnSpc>
+            </a:pPr>
             <a:r>
               <a:rPr lang="en-US" altLang="ko-KR" sz="1600" dirty="0"/>
-              <a:t>or</a:t>
-            </a:r>
-            <a:r>
-              <a:rPr lang="ko-KR" altLang="en-US" sz="1600" dirty="0"/>
-              <a:t> </a:t>
-            </a:r>
+              <a:t>high effective capacity utilization </a:t>
+            </a:r>
+          </a:p>
+          <a:p>
+            <a:pPr lvl="1">
+              <a:lnSpc>
+                <a:spcPct val="150000"/>
+              </a:lnSpc>
+            </a:pPr>
             <a:r>
               <a:rPr lang="en-US" altLang="ko-KR" sz="1600" dirty="0"/>
-              <a:t>long</a:t>
-            </a:r>
-            <a:r>
-              <a:rPr lang="ko-KR" altLang="en-US" sz="1600" dirty="0"/>
-              <a:t> </a:t>
-            </a:r>
+              <a:t>good performance for large networks &amp; large numbers of connections </a:t>
+            </a:r>
+          </a:p>
+          <a:p>
+            <a:pPr lvl="1">
+              <a:lnSpc>
+                <a:spcPct val="150000"/>
+              </a:lnSpc>
+            </a:pPr>
             <a:r>
               <a:rPr lang="en-US" altLang="ko-KR" sz="1600" dirty="0"/>
-              <a:t>round trip time</a:t>
-            </a:r>
-          </a:p>
-          <a:p>
-            <a:pPr>
-              <a:lnSpc>
-                <a:spcPct val="150000"/>
-              </a:lnSpc>
-            </a:pPr>
-            <a:r>
-              <a:rPr lang="en-US" altLang="ko-KR" sz="2000" dirty="0"/>
-              <a:t>Hence, maintaining the same RTO is not good idea</a:t>
-            </a:r>
-          </a:p>
-          <a:p>
-            <a:pPr>
-              <a:lnSpc>
-                <a:spcPct val="150000"/>
-              </a:lnSpc>
-            </a:pPr>
-            <a:r>
-              <a:rPr lang="en-US" altLang="ko-KR" sz="2000" dirty="0"/>
-              <a:t>A more sensible policy dictates that a sending TCP entity increase its RTO each time a segment is re-transmitted</a:t>
-            </a:r>
-          </a:p>
-        </p:txBody>
-      </p:sp>
-      <p:pic>
-        <p:nvPicPr>
-          <p:cNvPr id="6" name="그림 5">
-            <a:extLst>
-              <a:ext uri="{FF2B5EF4-FFF2-40B4-BE49-F238E27FC236}">
-                <a16:creationId xmlns:a16="http://schemas.microsoft.com/office/drawing/2014/main" id="{71DA7610-BBC7-F52F-7C33-3D6C99C5F0FE}"/>
-              </a:ext>
-            </a:extLst>
-          </p:cNvPr>
-          <p:cNvPicPr>
-            <a:picLocks noChangeAspect="1"/>
-          </p:cNvPicPr>
-          <p:nvPr/>
-        </p:nvPicPr>
-        <p:blipFill>
-          <a:blip r:embed="rId2"/>
-          <a:stretch>
-            <a:fillRect/>
-          </a:stretch>
-        </p:blipFill>
-        <p:spPr>
-          <a:xfrm>
-            <a:off x="841783" y="4258539"/>
-            <a:ext cx="5973009" cy="1267002"/>
-          </a:xfrm>
-          <a:prstGeom prst="rect">
-            <a:avLst/>
-          </a:prstGeom>
-        </p:spPr>
-      </p:pic>
+              <a:t>modest buffer requirements within the network </a:t>
+            </a:r>
+          </a:p>
+          <a:p>
+            <a:pPr lvl="1">
+              <a:lnSpc>
+                <a:spcPct val="150000"/>
+              </a:lnSpc>
+            </a:pPr>
+            <a:r>
+              <a:rPr lang="en-US" altLang="ko-KR" sz="1600" dirty="0"/>
+              <a:t>low overhead in header bits per packet </a:t>
+            </a:r>
+          </a:p>
+          <a:p>
+            <a:pPr lvl="1">
+              <a:lnSpc>
+                <a:spcPct val="150000"/>
+              </a:lnSpc>
+            </a:pPr>
+            <a:r>
+              <a:rPr lang="en-US" altLang="ko-KR" sz="1600" dirty="0"/>
+              <a:t>low processing overhead per packet within the network and at the end system</a:t>
+            </a:r>
+          </a:p>
+        </p:txBody>
+      </p:sp>
     </p:spTree>
     <p:extLst>
       <p:ext uri="{BB962C8B-B14F-4D97-AF65-F5344CB8AC3E}">
-        <p14:creationId xmlns:p14="http://schemas.microsoft.com/office/powerpoint/2010/main" val="902245821"/>
+        <p14:creationId xmlns:p14="http://schemas.microsoft.com/office/powerpoint/2010/main" val="228311032"/>
       </p:ext>
     </p:extLst>
   </p:cSld>
@@ -6142,12 +5935,8 @@
           <a:lstStyle/>
           <a:p>
             <a:r>
-              <a:rPr lang="en-US" altLang="ko-KR" sz="4000" b="1" dirty="0" err="1"/>
-              <a:t>Karn’s</a:t>
-            </a:r>
-            <a:r>
               <a:rPr lang="en-US" altLang="ko-KR" sz="4000" b="1" dirty="0"/>
-              <a:t> Algorithm</a:t>
+              <a:t>Real-time Traffic</a:t>
             </a:r>
             <a:endParaRPr lang="ko-KR" altLang="en-US" sz="4000" b="1" dirty="0"/>
           </a:p>
@@ -6207,116 +5996,91 @@
           </a:p>
         </p:txBody>
       </p:sp>
-      <p:sp>
-        <p:nvSpPr>
-          <p:cNvPr id="4" name="내용 개체 틀 2">
-            <a:extLst>
-              <a:ext uri="{FF2B5EF4-FFF2-40B4-BE49-F238E27FC236}">
-                <a16:creationId xmlns:a16="http://schemas.microsoft.com/office/drawing/2014/main" id="{4C0BA6D9-AE67-1553-7817-63CC110F4841}"/>
-              </a:ext>
-            </a:extLst>
-          </p:cNvPr>
-          <p:cNvSpPr>
-            <a:spLocks noGrp="1"/>
-          </p:cNvSpPr>
-          <p:nvPr>
-            <p:ph idx="1"/>
-          </p:nvPr>
-        </p:nvSpPr>
-        <p:spPr>
-          <a:xfrm>
-            <a:off x="512472" y="1517119"/>
-            <a:ext cx="10515600" cy="5249441"/>
-          </a:xfrm>
-        </p:spPr>
-        <p:txBody>
-          <a:bodyPr>
-            <a:normAutofit/>
-          </a:bodyPr>
-          <a:lstStyle/>
-          <a:p>
-            <a:pPr>
-              <a:lnSpc>
-                <a:spcPct val="150000"/>
-              </a:lnSpc>
-            </a:pPr>
-            <a:r>
-              <a:rPr lang="en-US" altLang="ko-KR" sz="2000" dirty="0"/>
-              <a:t>If a segment is re-transmitted, the ACK arriving may be:</a:t>
-            </a:r>
-          </a:p>
-          <a:p>
-            <a:pPr lvl="1">
-              <a:lnSpc>
-                <a:spcPct val="150000"/>
-              </a:lnSpc>
-            </a:pPr>
-            <a:r>
-              <a:rPr lang="en-US" altLang="ko-KR" sz="1600" dirty="0"/>
-              <a:t>For the first copy of the segment (RTT longer than expected)</a:t>
-            </a:r>
-          </a:p>
-          <a:p>
-            <a:pPr lvl="1">
-              <a:lnSpc>
-                <a:spcPct val="150000"/>
-              </a:lnSpc>
-            </a:pPr>
-            <a:r>
-              <a:rPr lang="en-US" altLang="ko-KR" sz="1600" dirty="0"/>
-              <a:t>For second copy</a:t>
-            </a:r>
-          </a:p>
-          <a:p>
-            <a:pPr>
-              <a:lnSpc>
-                <a:spcPct val="150000"/>
-              </a:lnSpc>
-            </a:pPr>
-            <a:r>
-              <a:rPr lang="en-US" altLang="ko-KR" sz="2000" dirty="0"/>
-              <a:t>No way to tell for which one</a:t>
-            </a:r>
-          </a:p>
-          <a:p>
-            <a:pPr>
-              <a:lnSpc>
-                <a:spcPct val="150000"/>
-              </a:lnSpc>
-            </a:pPr>
-            <a:r>
-              <a:rPr lang="en-US" altLang="ko-KR" sz="2000" dirty="0"/>
-              <a:t>Do not measure RTT for re-transmitted segments</a:t>
-            </a:r>
-          </a:p>
-          <a:p>
-            <a:pPr>
-              <a:lnSpc>
-                <a:spcPct val="150000"/>
-              </a:lnSpc>
-            </a:pPr>
-            <a:r>
-              <a:rPr lang="en-US" altLang="ko-KR" sz="2000" dirty="0"/>
-              <a:t>But calculate backoff when re-transmission occurs</a:t>
-            </a:r>
-          </a:p>
-          <a:p>
-            <a:pPr>
-              <a:lnSpc>
-                <a:spcPct val="150000"/>
-              </a:lnSpc>
-            </a:pPr>
-            <a:r>
-              <a:rPr lang="en-US" altLang="ko-KR" sz="2000" dirty="0"/>
-              <a:t>Use the backoff RTO until ACK arrives for segment that has not been re-transmitted</a:t>
-            </a:r>
-          </a:p>
-        </p:txBody>
-      </p:sp>
+      <p:grpSp>
+        <p:nvGrpSpPr>
+          <p:cNvPr id="11" name="그룹 10">
+            <a:extLst>
+              <a:ext uri="{FF2B5EF4-FFF2-40B4-BE49-F238E27FC236}">
+                <a16:creationId xmlns:a16="http://schemas.microsoft.com/office/drawing/2014/main" id="{2FBFC300-08BB-9649-67F4-B5C2EE78FBAA}"/>
+              </a:ext>
+            </a:extLst>
+          </p:cNvPr>
+          <p:cNvGrpSpPr/>
+          <p:nvPr/>
+        </p:nvGrpSpPr>
+        <p:grpSpPr>
+          <a:xfrm>
+            <a:off x="2169352" y="488721"/>
+            <a:ext cx="9078592" cy="6096329"/>
+            <a:chOff x="2114488" y="287553"/>
+            <a:chExt cx="9078592" cy="6096329"/>
+          </a:xfrm>
+        </p:grpSpPr>
+        <p:pic>
+          <p:nvPicPr>
+            <p:cNvPr id="8" name="그림 7">
+              <a:extLst>
+                <a:ext uri="{FF2B5EF4-FFF2-40B4-BE49-F238E27FC236}">
+                  <a16:creationId xmlns:a16="http://schemas.microsoft.com/office/drawing/2014/main" id="{A1FA6EB8-B0FE-323D-A23D-17A59ECF1BD2}"/>
+                </a:ext>
+              </a:extLst>
+            </p:cNvPr>
+            <p:cNvPicPr>
+              <a:picLocks noChangeAspect="1"/>
+            </p:cNvPicPr>
+            <p:nvPr/>
+          </p:nvPicPr>
+          <p:blipFill>
+            <a:blip r:embed="rId2"/>
+            <a:stretch>
+              <a:fillRect/>
+            </a:stretch>
+          </p:blipFill>
+          <p:spPr>
+            <a:xfrm>
+              <a:off x="2114488" y="3125877"/>
+              <a:ext cx="9078592" cy="3258005"/>
+            </a:xfrm>
+            <a:prstGeom prst="rect">
+              <a:avLst/>
+            </a:prstGeom>
+          </p:spPr>
+        </p:pic>
+        <p:pic>
+          <p:nvPicPr>
+            <p:cNvPr id="10" name="그림 9">
+              <a:extLst>
+                <a:ext uri="{FF2B5EF4-FFF2-40B4-BE49-F238E27FC236}">
+                  <a16:creationId xmlns:a16="http://schemas.microsoft.com/office/drawing/2014/main" id="{D4481988-A7D0-E246-66CA-6EACF341D454}"/>
+                </a:ext>
+              </a:extLst>
+            </p:cNvPr>
+            <p:cNvPicPr>
+              <a:picLocks noChangeAspect="1"/>
+            </p:cNvPicPr>
+            <p:nvPr/>
+          </p:nvPicPr>
+          <p:blipFill>
+            <a:blip r:embed="rId3"/>
+            <a:stretch>
+              <a:fillRect/>
+            </a:stretch>
+          </p:blipFill>
+          <p:spPr>
+            <a:xfrm>
+              <a:off x="6321715" y="287553"/>
+              <a:ext cx="4779925" cy="2838324"/>
+            </a:xfrm>
+            <a:prstGeom prst="rect">
+              <a:avLst/>
+            </a:prstGeom>
+          </p:spPr>
+        </p:pic>
+      </p:grpSp>
     </p:spTree>
     <p:extLst>
       <p:ext uri="{BB962C8B-B14F-4D97-AF65-F5344CB8AC3E}">
-        <p14:creationId xmlns:p14="http://schemas.microsoft.com/office/powerpoint/2010/main" val="3355493812"/>
+        <p14:creationId xmlns:p14="http://schemas.microsoft.com/office/powerpoint/2010/main" val="945379792"/>
       </p:ext>
     </p:extLst>
   </p:cSld>
@@ -6373,7 +6137,7 @@
           <a:p>
             <a:r>
               <a:rPr lang="en-US" altLang="ko-KR" sz="4000" b="1" dirty="0"/>
-              <a:t>Window Management (1)</a:t>
+              <a:t>Hard vs Soft Real-time Applications</a:t>
             </a:r>
             <a:endParaRPr lang="ko-KR" altLang="en-US" sz="4000" b="1" dirty="0"/>
           </a:p>
@@ -6438,7 +6202,7 @@
           <p:cNvPr id="4" name="내용 개체 틀 2">
             <a:extLst>
               <a:ext uri="{FF2B5EF4-FFF2-40B4-BE49-F238E27FC236}">
-                <a16:creationId xmlns:a16="http://schemas.microsoft.com/office/drawing/2014/main" id="{4C0BA6D9-AE67-1553-7817-63CC110F4841}"/>
+                <a16:creationId xmlns:a16="http://schemas.microsoft.com/office/drawing/2014/main" id="{4CA40259-00C3-CE52-7866-413CA0AD0FA6}"/>
               </a:ext>
             </a:extLst>
           </p:cNvPr>
@@ -6452,7 +6216,7 @@
         <p:spPr>
           <a:xfrm>
             <a:off x="512472" y="1517119"/>
-            <a:ext cx="10515600" cy="5249441"/>
+            <a:ext cx="11167056" cy="5249441"/>
           </a:xfrm>
         </p:spPr>
         <p:txBody>
@@ -6468,7 +6232,29 @@
             </a:pPr>
             <a:r>
               <a:rPr lang="en-US" altLang="ko-KR" sz="2000" dirty="0"/>
-              <a:t>The size of sending window can have a critical effect on TCP performance in front of a congestion</a:t>
+              <a:t>Hard RT (Real Time) </a:t>
+            </a:r>
+          </a:p>
+          <a:p>
+            <a:pPr lvl="1">
+              <a:lnSpc>
+                <a:spcPct val="150000"/>
+              </a:lnSpc>
+            </a:pPr>
+            <a:r>
+              <a:rPr lang="en-US" altLang="ko-KR" sz="1600" dirty="0"/>
+              <a:t>have zero loss tolerance </a:t>
+            </a:r>
+          </a:p>
+          <a:p>
+            <a:pPr lvl="1">
+              <a:lnSpc>
+                <a:spcPct val="150000"/>
+              </a:lnSpc>
+            </a:pPr>
+            <a:r>
+              <a:rPr lang="en-US" altLang="ko-KR" sz="1600" dirty="0"/>
+              <a:t>a deterministic upper bound on jitter and high reliability takes precedence over network utilization considerations </a:t>
             </a:r>
           </a:p>
           <a:p>
@@ -6479,7 +6265,7 @@
             </a:pPr>
             <a:r>
               <a:rPr lang="en-US" altLang="ko-KR" sz="2000" dirty="0"/>
-              <a:t>Slow start : gradually expanding the window</a:t>
+              <a:t>Soft RT </a:t>
             </a:r>
           </a:p>
           <a:p>
@@ -6489,126 +6275,35 @@
               </a:lnSpc>
             </a:pPr>
             <a:r>
+              <a:rPr lang="en-US" altLang="ko-KR" sz="1600" dirty="0"/>
+              <a:t>can tolerate the loss of some portion of the communicated data </a:t>
+            </a:r>
+          </a:p>
+          <a:p>
+            <a:pPr lvl="1">
+              <a:lnSpc>
+                <a:spcPct val="150000"/>
+              </a:lnSpc>
+            </a:pPr>
+            <a:r>
+              <a:rPr lang="en-US" altLang="ko-KR" sz="1600" dirty="0"/>
+              <a:t>impose fewer requirements on the network. So permissible to focus on maximizing network utilization, even at the cost of some lost or </a:t>
+            </a:r>
+            <a:r>
               <a:rPr lang="en-US" altLang="ko-KR" sz="1600" dirty="0" err="1"/>
-              <a:t>awnd</a:t>
+              <a:t>misordered</a:t>
             </a:r>
             <a:r>
               <a:rPr lang="en-US" altLang="ko-KR" sz="1600" dirty="0"/>
-              <a:t> = MIN[credit, </a:t>
-            </a:r>
-            <a:r>
-              <a:rPr lang="en-US" altLang="ko-KR" sz="1600" dirty="0" err="1"/>
-              <a:t>cwnd</a:t>
-            </a:r>
-            <a:r>
-              <a:rPr lang="en-US" altLang="ko-KR" sz="1600" dirty="0"/>
-              <a:t>]</a:t>
-            </a:r>
-          </a:p>
-          <a:p>
-            <a:pPr lvl="1">
-              <a:lnSpc>
-                <a:spcPct val="150000"/>
-              </a:lnSpc>
-            </a:pPr>
-            <a:r>
-              <a:rPr lang="en-US" altLang="ko-KR" sz="1600" dirty="0"/>
-              <a:t>Start connection with </a:t>
-            </a:r>
-            <a:r>
-              <a:rPr lang="en-US" altLang="ko-KR" sz="1600" dirty="0" err="1"/>
-              <a:t>cwnd</a:t>
-            </a:r>
-            <a:r>
-              <a:rPr lang="en-US" altLang="ko-KR" sz="1600" dirty="0"/>
-              <a:t> = 1</a:t>
-            </a:r>
-          </a:p>
-          <a:p>
-            <a:pPr lvl="1">
-              <a:lnSpc>
-                <a:spcPct val="150000"/>
-              </a:lnSpc>
-            </a:pPr>
-            <a:r>
-              <a:rPr lang="en-US" altLang="ko-KR" sz="1600" dirty="0"/>
-              <a:t>Increment </a:t>
-            </a:r>
-            <a:r>
-              <a:rPr lang="en-US" altLang="ko-KR" sz="1600" dirty="0" err="1"/>
-              <a:t>cwnd</a:t>
-            </a:r>
-            <a:r>
-              <a:rPr lang="en-US" altLang="ko-KR" sz="1600" dirty="0"/>
-              <a:t> by 1 (actually 2) at each ACK, to some max</a:t>
-            </a:r>
-          </a:p>
-        </p:txBody>
-      </p:sp>
-      <p:pic>
-        <p:nvPicPr>
-          <p:cNvPr id="6" name="그림 5">
-            <a:extLst>
-              <a:ext uri="{FF2B5EF4-FFF2-40B4-BE49-F238E27FC236}">
-                <a16:creationId xmlns:a16="http://schemas.microsoft.com/office/drawing/2014/main" id="{ABF20C73-5D5B-54CA-819B-B35705060301}"/>
-              </a:ext>
-            </a:extLst>
-          </p:cNvPr>
-          <p:cNvPicPr>
-            <a:picLocks noChangeAspect="1"/>
-          </p:cNvPicPr>
-          <p:nvPr/>
-        </p:nvPicPr>
-        <p:blipFill>
-          <a:blip r:embed="rId2"/>
-          <a:stretch>
-            <a:fillRect/>
-          </a:stretch>
-        </p:blipFill>
-        <p:spPr>
-          <a:xfrm>
-            <a:off x="4425977" y="3128059"/>
-            <a:ext cx="4163006" cy="781159"/>
-          </a:xfrm>
-          <a:prstGeom prst="rect">
-            <a:avLst/>
-          </a:prstGeom>
-        </p:spPr>
-      </p:pic>
-      <p:pic>
-        <p:nvPicPr>
-          <p:cNvPr id="8" name="그림 7">
-            <a:extLst>
-              <a:ext uri="{FF2B5EF4-FFF2-40B4-BE49-F238E27FC236}">
-                <a16:creationId xmlns:a16="http://schemas.microsoft.com/office/drawing/2014/main" id="{1495C54A-B4E1-6DE0-0D07-EB7870B8BE2B}"/>
-              </a:ext>
-            </a:extLst>
-          </p:cNvPr>
-          <p:cNvPicPr>
-            <a:picLocks noChangeAspect="1"/>
-          </p:cNvPicPr>
-          <p:nvPr/>
-        </p:nvPicPr>
-        <p:blipFill>
-          <a:blip r:embed="rId3"/>
-          <a:stretch>
-            <a:fillRect/>
-          </a:stretch>
-        </p:blipFill>
-        <p:spPr>
-          <a:xfrm>
-            <a:off x="7408466" y="4129611"/>
-            <a:ext cx="4524454" cy="2536833"/>
-          </a:xfrm>
-          <a:prstGeom prst="rect">
-            <a:avLst/>
-          </a:prstGeom>
-        </p:spPr>
-      </p:pic>
+              <a:t> packets</a:t>
+            </a:r>
+          </a:p>
+        </p:txBody>
+      </p:sp>
     </p:spTree>
     <p:extLst>
       <p:ext uri="{BB962C8B-B14F-4D97-AF65-F5344CB8AC3E}">
-        <p14:creationId xmlns:p14="http://schemas.microsoft.com/office/powerpoint/2010/main" val="883735268"/>
+        <p14:creationId xmlns:p14="http://schemas.microsoft.com/office/powerpoint/2010/main" val="315002598"/>
       </p:ext>
     </p:extLst>
   </p:cSld>
@@ -6845,7 +6540,7 @@
           <a:p>
             <a:r>
               <a:rPr lang="en-US" altLang="ko-KR" sz="4000" b="1" dirty="0"/>
-              <a:t>Window Management (2)</a:t>
+              <a:t>Voice over IP (VoIP)</a:t>
             </a:r>
             <a:endParaRPr lang="ko-KR" altLang="en-US" sz="4000" b="1" dirty="0"/>
           </a:p>
@@ -6910,7 +6605,7 @@
           <p:cNvPr id="4" name="내용 개체 틀 2">
             <a:extLst>
               <a:ext uri="{FF2B5EF4-FFF2-40B4-BE49-F238E27FC236}">
-                <a16:creationId xmlns:a16="http://schemas.microsoft.com/office/drawing/2014/main" id="{4C0BA6D9-AE67-1553-7817-63CC110F4841}"/>
+                <a16:creationId xmlns:a16="http://schemas.microsoft.com/office/drawing/2014/main" id="{4CA40259-00C3-CE52-7866-413CA0AD0FA6}"/>
               </a:ext>
             </a:extLst>
           </p:cNvPr>
@@ -6924,7 +6619,7 @@
         <p:spPr>
           <a:xfrm>
             <a:off x="512472" y="1517119"/>
-            <a:ext cx="10515600" cy="5249441"/>
+            <a:ext cx="11167056" cy="5249441"/>
           </a:xfrm>
         </p:spPr>
         <p:txBody>
@@ -6940,7 +6635,18 @@
             </a:pPr>
             <a:r>
               <a:rPr lang="en-US" altLang="ko-KR" sz="2000" dirty="0"/>
-              <a:t>Dynamic windows sizing on congestion</a:t>
+              <a:t>The transmission of speech across IP-based network </a:t>
+            </a:r>
+          </a:p>
+          <a:p>
+            <a:pPr>
+              <a:lnSpc>
+                <a:spcPct val="150000"/>
+              </a:lnSpc>
+            </a:pPr>
+            <a:r>
+              <a:rPr lang="en-US" altLang="ko-KR" sz="2000" dirty="0"/>
+              <a:t>Has two main advantages over traditional telephony </a:t>
             </a:r>
           </a:p>
           <a:p>
@@ -6951,7 +6657,7 @@
             </a:pPr>
             <a:r>
               <a:rPr lang="en-US" altLang="ko-KR" sz="1600" dirty="0"/>
-              <a:t>Jacobson points out that “it is easy to drive a network into saturation but hard for the net to recover”</a:t>
+              <a:t>cheaper to operate than an equivalent PSTN system </a:t>
             </a:r>
           </a:p>
           <a:p>
@@ -6962,15 +6668,29 @@
             </a:pPr>
             <a:r>
               <a:rPr lang="en-US" altLang="ko-KR" sz="1600" dirty="0"/>
-              <a:t>With the slow start, </a:t>
-            </a:r>
-            <a:r>
-              <a:rPr lang="en-US" altLang="ko-KR" sz="1600" dirty="0" err="1"/>
-              <a:t>cwnd</a:t>
-            </a:r>
+              <a:t>readily integrates with other services, such as WWW access with telephone features through a single PC </a:t>
+            </a:r>
+          </a:p>
+          <a:p>
+            <a:pPr>
+              <a:lnSpc>
+                <a:spcPct val="150000"/>
+              </a:lnSpc>
+            </a:pPr>
+            <a:r>
+              <a:rPr lang="en-US" altLang="ko-KR" sz="2000" dirty="0"/>
+              <a:t>VoIP signaling </a:t>
+            </a:r>
+          </a:p>
+          <a:p>
+            <a:pPr lvl="1">
+              <a:lnSpc>
+                <a:spcPct val="150000"/>
+              </a:lnSpc>
+            </a:pPr>
             <a:r>
               <a:rPr lang="en-US" altLang="ko-KR" sz="1600" dirty="0"/>
-              <a:t> keeps growing exponential until it becomes equal to receiver window (credit)</a:t>
+              <a:t>before voice can be transferred using VoIP a call must be placed </a:t>
             </a:r>
           </a:p>
           <a:p>
@@ -6981,61 +6701,26 @@
             </a:pPr>
             <a:r>
               <a:rPr lang="en-US" altLang="ko-KR" sz="1600" dirty="0"/>
-              <a:t>However, for the congestion, the exponential growth of </a:t>
-            </a:r>
-            <a:r>
-              <a:rPr lang="en-US" altLang="ko-KR" sz="1600" dirty="0" err="1"/>
-              <a:t>cwnd</a:t>
-            </a:r>
+              <a:t>the calling user supplies the phone # of a URI which then triggers a set of protocol interactions resulting in the placement of the call </a:t>
+            </a:r>
+          </a:p>
+          <a:p>
+            <a:pPr lvl="1">
+              <a:lnSpc>
+                <a:spcPct val="150000"/>
+              </a:lnSpc>
+            </a:pPr>
             <a:r>
               <a:rPr lang="en-US" altLang="ko-KR" sz="1600" dirty="0"/>
-              <a:t> may be too aggressive and may worsen the congestion</a:t>
-            </a:r>
-          </a:p>
-          <a:p>
-            <a:pPr lvl="1">
-              <a:lnSpc>
-                <a:spcPct val="150000"/>
-              </a:lnSpc>
-            </a:pPr>
-            <a:endParaRPr lang="en-US" altLang="ko-KR" sz="1600" dirty="0"/>
-          </a:p>
-        </p:txBody>
-      </p:sp>
-      <p:pic>
-        <p:nvPicPr>
-          <p:cNvPr id="7" name="그림 6">
-            <a:extLst>
-              <a:ext uri="{FF2B5EF4-FFF2-40B4-BE49-F238E27FC236}">
-                <a16:creationId xmlns:a16="http://schemas.microsoft.com/office/drawing/2014/main" id="{9430CCF3-D987-1630-3662-86B2D34B8A1F}"/>
-              </a:ext>
-            </a:extLst>
-          </p:cNvPr>
-          <p:cNvPicPr>
-            <a:picLocks noChangeAspect="1"/>
-          </p:cNvPicPr>
-          <p:nvPr/>
-        </p:nvPicPr>
-        <p:blipFill>
-          <a:blip r:embed="rId2"/>
-          <a:stretch>
-            <a:fillRect/>
-          </a:stretch>
-        </p:blipFill>
-        <p:spPr>
-          <a:xfrm>
-            <a:off x="1287243" y="4073380"/>
-            <a:ext cx="6796053" cy="2119561"/>
-          </a:xfrm>
-          <a:prstGeom prst="rect">
-            <a:avLst/>
-          </a:prstGeom>
-        </p:spPr>
-      </p:pic>
+              <a:t>the heart of these is the Session Initiation Protocol (SIP)</a:t>
+            </a:r>
+          </a:p>
+        </p:txBody>
+      </p:sp>
     </p:spTree>
     <p:extLst>
       <p:ext uri="{BB962C8B-B14F-4D97-AF65-F5344CB8AC3E}">
-        <p14:creationId xmlns:p14="http://schemas.microsoft.com/office/powerpoint/2010/main" val="2840981603"/>
+        <p14:creationId xmlns:p14="http://schemas.microsoft.com/office/powerpoint/2010/main" val="484995975"/>
       </p:ext>
     </p:extLst>
   </p:cSld>
@@ -7092,7 +6777,7 @@
           <a:p>
             <a:r>
               <a:rPr lang="en-US" altLang="ko-KR" sz="4000" b="1" dirty="0"/>
-              <a:t>Illustration of Slow Start and Congestion Avoidance</a:t>
+              <a:t>VoIP Processing</a:t>
             </a:r>
             <a:endParaRPr lang="ko-KR" altLang="en-US" sz="4000" b="1" dirty="0"/>
           </a:p>
@@ -7152,40 +6837,91 @@
           </a:p>
         </p:txBody>
       </p:sp>
-      <p:pic>
-        <p:nvPicPr>
-          <p:cNvPr id="9" name="그림 8">
-            <a:extLst>
-              <a:ext uri="{FF2B5EF4-FFF2-40B4-BE49-F238E27FC236}">
-                <a16:creationId xmlns:a16="http://schemas.microsoft.com/office/drawing/2014/main" id="{BE2E0D09-9893-E909-B78F-B5D6033213F0}"/>
-              </a:ext>
-            </a:extLst>
-          </p:cNvPr>
-          <p:cNvPicPr>
-            <a:picLocks noChangeAspect="1"/>
-          </p:cNvPicPr>
+      <p:grpSp>
+        <p:nvGrpSpPr>
+          <p:cNvPr id="11" name="그룹 10">
+            <a:extLst>
+              <a:ext uri="{FF2B5EF4-FFF2-40B4-BE49-F238E27FC236}">
+                <a16:creationId xmlns:a16="http://schemas.microsoft.com/office/drawing/2014/main" id="{DCEE25C1-0A2C-255D-93FA-DE7EDD0967E8}"/>
+              </a:ext>
+            </a:extLst>
+          </p:cNvPr>
+          <p:cNvGrpSpPr/>
           <p:nvPr/>
-        </p:nvPicPr>
-        <p:blipFill>
-          <a:blip r:embed="rId2"/>
-          <a:stretch>
-            <a:fillRect/>
-          </a:stretch>
-        </p:blipFill>
-        <p:spPr>
-          <a:xfrm>
-            <a:off x="2174314" y="1644672"/>
-            <a:ext cx="7843372" cy="4793172"/>
-          </a:xfrm>
-          <a:prstGeom prst="rect">
-            <a:avLst/>
-          </a:prstGeom>
-        </p:spPr>
-      </p:pic>
+        </p:nvGrpSpPr>
+        <p:grpSpPr>
+          <a:xfrm>
+            <a:off x="2539950" y="685800"/>
+            <a:ext cx="8484979" cy="5980644"/>
+            <a:chOff x="3335478" y="783934"/>
+            <a:chExt cx="8484979" cy="5980644"/>
+          </a:xfrm>
+        </p:grpSpPr>
+        <p:pic>
+          <p:nvPicPr>
+            <p:cNvPr id="8" name="그림 7">
+              <a:extLst>
+                <a:ext uri="{FF2B5EF4-FFF2-40B4-BE49-F238E27FC236}">
+                  <a16:creationId xmlns:a16="http://schemas.microsoft.com/office/drawing/2014/main" id="{76D37DD7-F0D4-F701-3981-BF38BF589706}"/>
+                </a:ext>
+              </a:extLst>
+            </p:cNvPr>
+            <p:cNvPicPr>
+              <a:picLocks noChangeAspect="1"/>
+            </p:cNvPicPr>
+            <p:nvPr/>
+          </p:nvPicPr>
+          <p:blipFill>
+            <a:blip r:embed="rId2"/>
+            <a:stretch>
+              <a:fillRect/>
+            </a:stretch>
+          </p:blipFill>
+          <p:spPr>
+            <a:xfrm>
+              <a:off x="6574430" y="783934"/>
+              <a:ext cx="5246027" cy="5980644"/>
+            </a:xfrm>
+            <a:prstGeom prst="rect">
+              <a:avLst/>
+            </a:prstGeom>
+          </p:spPr>
+        </p:pic>
+        <p:pic>
+          <p:nvPicPr>
+            <p:cNvPr id="10" name="그림 9">
+              <a:extLst>
+                <a:ext uri="{FF2B5EF4-FFF2-40B4-BE49-F238E27FC236}">
+                  <a16:creationId xmlns:a16="http://schemas.microsoft.com/office/drawing/2014/main" id="{ADC740CA-CD75-91B4-5320-B9D15DB0480E}"/>
+                </a:ext>
+              </a:extLst>
+            </p:cNvPr>
+            <p:cNvPicPr>
+              <a:picLocks noChangeAspect="1"/>
+            </p:cNvPicPr>
+            <p:nvPr/>
+          </p:nvPicPr>
+          <p:blipFill>
+            <a:blip r:embed="rId3"/>
+            <a:stretch>
+              <a:fillRect/>
+            </a:stretch>
+          </p:blipFill>
+          <p:spPr>
+            <a:xfrm>
+              <a:off x="3335478" y="1706097"/>
+              <a:ext cx="3238952" cy="5058481"/>
+            </a:xfrm>
+            <a:prstGeom prst="rect">
+              <a:avLst/>
+            </a:prstGeom>
+          </p:spPr>
+        </p:pic>
+      </p:grpSp>
     </p:spTree>
     <p:extLst>
       <p:ext uri="{BB962C8B-B14F-4D97-AF65-F5344CB8AC3E}">
-        <p14:creationId xmlns:p14="http://schemas.microsoft.com/office/powerpoint/2010/main" val="1251470255"/>
+        <p14:creationId xmlns:p14="http://schemas.microsoft.com/office/powerpoint/2010/main" val="199617098"/>
       </p:ext>
     </p:extLst>
   </p:cSld>
@@ -7242,7 +6978,7 @@
           <a:p>
             <a:r>
               <a:rPr lang="en-US" altLang="ko-KR" sz="4000" b="1" dirty="0"/>
-              <a:t>Implementation of TCP Congestion Control Measures</a:t>
+              <a:t>Real-time Transport Protocol (RTP)</a:t>
             </a:r>
             <a:endParaRPr lang="ko-KR" altLang="en-US" sz="4000" b="1" dirty="0"/>
           </a:p>
@@ -7302,12 +7038,322 @@
           </a:p>
         </p:txBody>
       </p:sp>
+      <p:sp>
+        <p:nvSpPr>
+          <p:cNvPr id="4" name="내용 개체 틀 2">
+            <a:extLst>
+              <a:ext uri="{FF2B5EF4-FFF2-40B4-BE49-F238E27FC236}">
+                <a16:creationId xmlns:a16="http://schemas.microsoft.com/office/drawing/2014/main" id="{4CA40259-00C3-CE52-7866-413CA0AD0FA6}"/>
+              </a:ext>
+            </a:extLst>
+          </p:cNvPr>
+          <p:cNvSpPr>
+            <a:spLocks noGrp="1"/>
+          </p:cNvSpPr>
+          <p:nvPr>
+            <p:ph idx="1"/>
+          </p:nvPr>
+        </p:nvSpPr>
+        <p:spPr>
+          <a:xfrm>
+            <a:off x="512472" y="1517119"/>
+            <a:ext cx="11167056" cy="5249441"/>
+          </a:xfrm>
+        </p:spPr>
+        <p:txBody>
+          <a:bodyPr>
+            <a:normAutofit/>
+          </a:bodyPr>
+          <a:lstStyle/>
+          <a:p>
+            <a:pPr>
+              <a:lnSpc>
+                <a:spcPct val="150000"/>
+              </a:lnSpc>
+            </a:pPr>
+            <a:r>
+              <a:rPr lang="en-US" altLang="ko-KR" sz="2000" dirty="0"/>
+              <a:t>Best suited to soft real-time communication </a:t>
+            </a:r>
+          </a:p>
+          <a:p>
+            <a:pPr lvl="1">
+              <a:lnSpc>
+                <a:spcPct val="150000"/>
+              </a:lnSpc>
+            </a:pPr>
+            <a:r>
+              <a:rPr lang="en-US" altLang="ko-KR" sz="1600" dirty="0"/>
+              <a:t>lacks the necessary mechanisms to support hard real-time traffic </a:t>
+            </a:r>
+          </a:p>
+          <a:p>
+            <a:pPr>
+              <a:lnSpc>
+                <a:spcPct val="150000"/>
+              </a:lnSpc>
+            </a:pPr>
+            <a:r>
+              <a:rPr lang="en-US" altLang="ko-KR" sz="2000" dirty="0"/>
+              <a:t>RTP (RFC 3550) supports the transfer of real-time data among a number of participants in a session </a:t>
+            </a:r>
+          </a:p>
+          <a:p>
+            <a:pPr lvl="1">
+              <a:lnSpc>
+                <a:spcPct val="150000"/>
+              </a:lnSpc>
+            </a:pPr>
+            <a:r>
+              <a:rPr lang="en-US" altLang="ko-KR" sz="1600" dirty="0"/>
+              <a:t>a session is a logical association among two or more RTP entities that is maintained for the duration of the data transfer </a:t>
+            </a:r>
+          </a:p>
+          <a:p>
+            <a:pPr lvl="1">
+              <a:lnSpc>
+                <a:spcPct val="150000"/>
+              </a:lnSpc>
+            </a:pPr>
+            <a:r>
+              <a:rPr lang="en-US" altLang="ko-KR" sz="1600" dirty="0"/>
+              <a:t>it is defined by: </a:t>
+            </a:r>
+          </a:p>
+          <a:p>
+            <a:pPr lvl="2">
+              <a:lnSpc>
+                <a:spcPct val="150000"/>
+              </a:lnSpc>
+            </a:pPr>
+            <a:r>
+              <a:rPr lang="en-US" altLang="ko-KR" sz="1200" dirty="0"/>
+              <a:t>RTP port number </a:t>
+            </a:r>
+          </a:p>
+          <a:p>
+            <a:pPr lvl="2">
+              <a:lnSpc>
+                <a:spcPct val="150000"/>
+              </a:lnSpc>
+            </a:pPr>
+            <a:r>
+              <a:rPr lang="en-US" altLang="ko-KR" sz="1200" dirty="0"/>
+              <a:t>RTCP port number </a:t>
+            </a:r>
+          </a:p>
+          <a:p>
+            <a:pPr lvl="2">
+              <a:lnSpc>
+                <a:spcPct val="150000"/>
+              </a:lnSpc>
+            </a:pPr>
+            <a:r>
+              <a:rPr lang="en-US" altLang="ko-KR" sz="1200" dirty="0"/>
+              <a:t>Participant IP addresses</a:t>
+            </a:r>
+          </a:p>
+        </p:txBody>
+      </p:sp>
+    </p:spTree>
+    <p:extLst>
+      <p:ext uri="{BB962C8B-B14F-4D97-AF65-F5344CB8AC3E}">
+        <p14:creationId xmlns:p14="http://schemas.microsoft.com/office/powerpoint/2010/main" val="3507740444"/>
+      </p:ext>
+    </p:extLst>
+  </p:cSld>
+  <p:clrMapOvr>
+    <a:masterClrMapping/>
+  </p:clrMapOvr>
+</p:sld>
+</file>
+
+<file path=ppt/slides/slide23.xml><?xml version="1.0" encoding="utf-8"?>
+<p:sld xmlns:a="http://schemas.openxmlformats.org/drawingml/2006/main" xmlns:r="http://schemas.openxmlformats.org/officeDocument/2006/relationships" xmlns:p="http://schemas.openxmlformats.org/presentationml/2006/main">
+  <p:cSld>
+    <p:spTree>
+      <p:nvGrpSpPr>
+        <p:cNvPr id="1" name=""/>
+        <p:cNvGrpSpPr/>
+        <p:nvPr/>
+      </p:nvGrpSpPr>
+      <p:grpSpPr>
+        <a:xfrm>
+          <a:off x="0" y="0"/>
+          <a:ext cx="0" cy="0"/>
+          <a:chOff x="0" y="0"/>
+          <a:chExt cx="0" cy="0"/>
+        </a:xfrm>
+      </p:grpSpPr>
+      <p:sp>
+        <p:nvSpPr>
+          <p:cNvPr id="2" name="제목 1">
+            <a:extLst>
+              <a:ext uri="{FF2B5EF4-FFF2-40B4-BE49-F238E27FC236}">
+                <a16:creationId xmlns:a16="http://schemas.microsoft.com/office/drawing/2014/main" id="{97E51B44-8461-7B96-2388-D852A6FF27A0}"/>
+              </a:ext>
+            </a:extLst>
+          </p:cNvPr>
+          <p:cNvSpPr>
+            <a:spLocks noGrp="1"/>
+          </p:cNvSpPr>
+          <p:nvPr>
+            <p:ph type="title"/>
+          </p:nvPr>
+        </p:nvSpPr>
+        <p:spPr>
+          <a:xfrm>
+            <a:off x="512472" y="191556"/>
+            <a:ext cx="11167056" cy="1325563"/>
+          </a:xfrm>
+        </p:spPr>
+        <p:txBody>
+          <a:bodyPr>
+            <a:normAutofit/>
+          </a:bodyPr>
+          <a:lstStyle/>
+          <a:p>
+            <a:r>
+              <a:rPr lang="en-US" altLang="ko-KR" sz="4000" b="1" dirty="0"/>
+              <a:t>RTP Architecture</a:t>
+            </a:r>
+            <a:endParaRPr lang="ko-KR" altLang="en-US" sz="4000" b="1" dirty="0"/>
+          </a:p>
+        </p:txBody>
+      </p:sp>
+      <p:sp>
+        <p:nvSpPr>
+          <p:cNvPr id="3" name="직사각형 2">
+            <a:extLst>
+              <a:ext uri="{FF2B5EF4-FFF2-40B4-BE49-F238E27FC236}">
+                <a16:creationId xmlns:a16="http://schemas.microsoft.com/office/drawing/2014/main" id="{C81F88F5-6FF0-189D-1A5B-554E99B98DDF}"/>
+              </a:ext>
+            </a:extLst>
+          </p:cNvPr>
+          <p:cNvSpPr>
+            <a:spLocks noGrp="1" noRot="1" noMove="1" noResize="1" noEditPoints="1" noAdjustHandles="1" noChangeArrowheads="1" noChangeShapeType="1"/>
+          </p:cNvSpPr>
+          <p:nvPr/>
+        </p:nvSpPr>
+        <p:spPr>
+          <a:xfrm>
+            <a:off x="91127" y="804943"/>
+            <a:ext cx="280416" cy="49394"/>
+          </a:xfrm>
+          <a:prstGeom prst="rect">
+            <a:avLst/>
+          </a:prstGeom>
+          <a:solidFill>
+            <a:schemeClr val="accent2"/>
+          </a:solidFill>
+          <a:ln>
+            <a:noFill/>
+          </a:ln>
+        </p:spPr>
+        <p:style>
+          <a:lnRef idx="2">
+            <a:schemeClr val="accent1">
+              <a:shade val="50000"/>
+            </a:schemeClr>
+          </a:lnRef>
+          <a:fillRef idx="1">
+            <a:schemeClr val="accent1"/>
+          </a:fillRef>
+          <a:effectRef idx="0">
+            <a:schemeClr val="accent1"/>
+          </a:effectRef>
+          <a:fontRef idx="minor">
+            <a:schemeClr val="lt1"/>
+          </a:fontRef>
+        </p:style>
+        <p:txBody>
+          <a:bodyPr rtlCol="0" anchor="ctr"/>
+          <a:lstStyle/>
+          <a:p>
+            <a:pPr algn="ctr"/>
+            <a:endParaRPr lang="ko-KR" altLang="en-US"/>
+          </a:p>
+        </p:txBody>
+      </p:sp>
+      <p:sp>
+        <p:nvSpPr>
+          <p:cNvPr id="4" name="내용 개체 틀 2">
+            <a:extLst>
+              <a:ext uri="{FF2B5EF4-FFF2-40B4-BE49-F238E27FC236}">
+                <a16:creationId xmlns:a16="http://schemas.microsoft.com/office/drawing/2014/main" id="{4CA40259-00C3-CE52-7866-413CA0AD0FA6}"/>
+              </a:ext>
+            </a:extLst>
+          </p:cNvPr>
+          <p:cNvSpPr>
+            <a:spLocks noGrp="1"/>
+          </p:cNvSpPr>
+          <p:nvPr>
+            <p:ph idx="1"/>
+          </p:nvPr>
+        </p:nvSpPr>
+        <p:spPr>
+          <a:xfrm>
+            <a:off x="512472" y="1517119"/>
+            <a:ext cx="11167056" cy="5249441"/>
+          </a:xfrm>
+        </p:spPr>
+        <p:txBody>
+          <a:bodyPr>
+            <a:normAutofit/>
+          </a:bodyPr>
+          <a:lstStyle/>
+          <a:p>
+            <a:pPr>
+              <a:lnSpc>
+                <a:spcPct val="150000"/>
+              </a:lnSpc>
+            </a:pPr>
+            <a:r>
+              <a:rPr lang="en-US" altLang="ko-KR" sz="2000" dirty="0"/>
+              <a:t>Two protocols that make up RTP are: </a:t>
+            </a:r>
+          </a:p>
+          <a:p>
+            <a:pPr lvl="1">
+              <a:lnSpc>
+                <a:spcPct val="150000"/>
+              </a:lnSpc>
+            </a:pPr>
+            <a:r>
+              <a:rPr lang="en-US" altLang="ko-KR" sz="1600" dirty="0"/>
+              <a:t>RTP : data transfer protocol </a:t>
+            </a:r>
+          </a:p>
+          <a:p>
+            <a:pPr lvl="1">
+              <a:lnSpc>
+                <a:spcPct val="150000"/>
+              </a:lnSpc>
+            </a:pPr>
+            <a:r>
+              <a:rPr lang="en-US" altLang="ko-KR" sz="1600" dirty="0"/>
+              <a:t>RTCP : control protocol </a:t>
+            </a:r>
+          </a:p>
+          <a:p>
+            <a:pPr>
+              <a:lnSpc>
+                <a:spcPct val="150000"/>
+              </a:lnSpc>
+            </a:pPr>
+            <a:r>
+              <a:rPr lang="en-US" altLang="ko-KR" sz="2000" dirty="0"/>
+              <a:t>Protocol architecture</a:t>
+            </a:r>
+          </a:p>
+        </p:txBody>
+      </p:sp>
       <p:pic>
         <p:nvPicPr>
-          <p:cNvPr id="5" name="그림 4">
-            <a:extLst>
-              <a:ext uri="{FF2B5EF4-FFF2-40B4-BE49-F238E27FC236}">
-                <a16:creationId xmlns:a16="http://schemas.microsoft.com/office/drawing/2014/main" id="{8658714B-A0A6-4922-05F4-A34B591B94DC}"/>
+          <p:cNvPr id="6" name="그림 5">
+            <a:extLst>
+              <a:ext uri="{FF2B5EF4-FFF2-40B4-BE49-F238E27FC236}">
+                <a16:creationId xmlns:a16="http://schemas.microsoft.com/office/drawing/2014/main" id="{2E54B24E-486F-59DA-AEEF-483B856F7EDF}"/>
               </a:ext>
             </a:extLst>
           </p:cNvPr>
@@ -7324,8 +7370,8 @@
         </p:blipFill>
         <p:spPr>
           <a:xfrm>
-            <a:off x="1659308" y="1655065"/>
-            <a:ext cx="8873383" cy="4810212"/>
+            <a:off x="4534988" y="2682935"/>
+            <a:ext cx="6249272" cy="3686689"/>
           </a:xfrm>
           <a:prstGeom prst="rect">
             <a:avLst/>
@@ -7335,7 +7381,7 @@
     </p:spTree>
     <p:extLst>
       <p:ext uri="{BB962C8B-B14F-4D97-AF65-F5344CB8AC3E}">
-        <p14:creationId xmlns:p14="http://schemas.microsoft.com/office/powerpoint/2010/main" val="3586458880"/>
+        <p14:creationId xmlns:p14="http://schemas.microsoft.com/office/powerpoint/2010/main" val="1792619407"/>
       </p:ext>
     </p:extLst>
   </p:cSld>
@@ -7392,7 +7438,7 @@
           <a:p>
             <a:r>
               <a:rPr lang="en-US" altLang="ko-KR" sz="4000" b="1" dirty="0"/>
-              <a:t>Congestion Control</a:t>
+              <a:t>Email, DNS, and HTTP</a:t>
             </a:r>
             <a:endParaRPr lang="ko-KR" altLang="en-US" sz="4000" b="1" dirty="0"/>
           </a:p>
@@ -7471,7 +7517,7 @@
         <p:spPr>
           <a:xfrm>
             <a:off x="512472" y="1517119"/>
-            <a:ext cx="10515600" cy="5249441"/>
+            <a:ext cx="11167056" cy="5249441"/>
           </a:xfrm>
         </p:spPr>
         <p:txBody>
@@ -7487,7 +7533,7 @@
             </a:pPr>
             <a:r>
               <a:rPr lang="en-US" altLang="ko-KR" sz="2000" dirty="0"/>
-              <a:t>Congestion occurs when the number of packets being transmitted through the network approaches the packet handling capacity of the network</a:t>
+              <a:t>Electronic mail </a:t>
             </a:r>
           </a:p>
           <a:p>
@@ -7498,7 +7544,7 @@
             </a:pPr>
             <a:r>
               <a:rPr lang="en-US" altLang="ko-KR" sz="1600" dirty="0"/>
-              <a:t>Congestion control aims to keep number of packets below level at which performance falls of dramatically</a:t>
+              <a:t>a facility that allows users at workstations and terminals to compose and exchange messages </a:t>
             </a:r>
           </a:p>
           <a:p>
@@ -7509,7 +7555,7 @@
             </a:pPr>
             <a:r>
               <a:rPr lang="en-US" altLang="ko-KR" sz="2000" dirty="0"/>
-              <a:t>Data network is a network of queues</a:t>
+              <a:t>Internet mail architecture (RFC 5598) consists of </a:t>
             </a:r>
           </a:p>
           <a:p>
@@ -7520,7 +7566,18 @@
             </a:pPr>
             <a:r>
               <a:rPr lang="en-US" altLang="ko-KR" sz="1600" dirty="0"/>
-              <a:t>Generally 80% utilization is critical</a:t>
+              <a:t>a user world, in the form of Message User Agents (MUA) </a:t>
+            </a:r>
+          </a:p>
+          <a:p>
+            <a:pPr lvl="1">
+              <a:lnSpc>
+                <a:spcPct val="150000"/>
+              </a:lnSpc>
+            </a:pPr>
+            <a:r>
+              <a:rPr lang="en-US" altLang="ko-KR" sz="1600" dirty="0"/>
+              <a:t>the transfer world, in the form of the Message Handling Service (MHS), which is composed of Message Transfer Agents (MTA) </a:t>
             </a:r>
           </a:p>
           <a:p>
@@ -7531,9 +7588,19 @@
             </a:pPr>
             <a:r>
               <a:rPr lang="en-US" altLang="ko-KR" sz="2000" dirty="0"/>
-              <a:t>Finite queues mean data may be lost</a:t>
-            </a:r>
-            <a:endParaRPr lang="en-US" altLang="ko-KR" sz="1600" dirty="0"/>
+              <a:t>Domain Name Server (DNS) : RFC 1034,1035 </a:t>
+            </a:r>
+          </a:p>
+          <a:p>
+            <a:pPr lvl="1">
+              <a:lnSpc>
+                <a:spcPct val="150000"/>
+              </a:lnSpc>
+            </a:pPr>
+            <a:r>
+              <a:rPr lang="en-US" altLang="ko-KR" sz="1600" dirty="0"/>
+              <a:t>a directory lookup service that provides a mapping between the name of a host on the Internet and its numerical address</a:t>
+            </a:r>
           </a:p>
         </p:txBody>
       </p:sp>
@@ -7597,7 +7664,7 @@
           <a:p>
             <a:r>
               <a:rPr lang="en-US" altLang="ko-KR" sz="4000" b="1" dirty="0"/>
-              <a:t>Finite Queues</a:t>
+              <a:t>Internet Mail Architecture</a:t>
             </a:r>
             <a:endParaRPr lang="ko-KR" altLang="en-US" sz="4000" b="1" dirty="0"/>
           </a:p>
@@ -7657,76 +7724,12 @@
           </a:p>
         </p:txBody>
       </p:sp>
-      <p:sp>
-        <p:nvSpPr>
-          <p:cNvPr id="4" name="내용 개체 틀 2">
-            <a:extLst>
-              <a:ext uri="{FF2B5EF4-FFF2-40B4-BE49-F238E27FC236}">
-                <a16:creationId xmlns:a16="http://schemas.microsoft.com/office/drawing/2014/main" id="{4CA40259-00C3-CE52-7866-413CA0AD0FA6}"/>
-              </a:ext>
-            </a:extLst>
-          </p:cNvPr>
-          <p:cNvSpPr>
-            <a:spLocks noGrp="1"/>
-          </p:cNvSpPr>
-          <p:nvPr>
-            <p:ph idx="1"/>
-          </p:nvPr>
-        </p:nvSpPr>
-        <p:spPr>
-          <a:xfrm>
-            <a:off x="512472" y="1667051"/>
-            <a:ext cx="3245712" cy="512849"/>
-          </a:xfrm>
-        </p:spPr>
-        <p:txBody>
-          <a:bodyPr>
-            <a:normAutofit fontScale="92500" lnSpcReduction="10000"/>
-          </a:bodyPr>
-          <a:lstStyle/>
-          <a:p>
-            <a:pPr>
-              <a:lnSpc>
-                <a:spcPct val="150000"/>
-              </a:lnSpc>
-            </a:pPr>
-            <a:r>
-              <a:rPr lang="en-US" altLang="ko-KR" sz="2000" dirty="0"/>
-              <a:t>Queue at a node</a:t>
-            </a:r>
-          </a:p>
-          <a:p>
-            <a:pPr>
-              <a:lnSpc>
-                <a:spcPct val="150000"/>
-              </a:lnSpc>
-            </a:pPr>
-            <a:endParaRPr lang="en-US" altLang="ko-KR" sz="2000" dirty="0"/>
-          </a:p>
-          <a:p>
-            <a:pPr>
-              <a:lnSpc>
-                <a:spcPct val="150000"/>
-              </a:lnSpc>
-            </a:pPr>
-            <a:endParaRPr lang="en-US" altLang="ko-KR" sz="2000" dirty="0"/>
-          </a:p>
-          <a:p>
-            <a:pPr>
-              <a:lnSpc>
-                <a:spcPct val="150000"/>
-              </a:lnSpc>
-            </a:pPr>
-            <a:endParaRPr lang="en-US" altLang="ko-KR" sz="2000" dirty="0"/>
-          </a:p>
-        </p:txBody>
-      </p:sp>
       <p:pic>
         <p:nvPicPr>
-          <p:cNvPr id="6" name="그림 5">
-            <a:extLst>
-              <a:ext uri="{FF2B5EF4-FFF2-40B4-BE49-F238E27FC236}">
-                <a16:creationId xmlns:a16="http://schemas.microsoft.com/office/drawing/2014/main" id="{8DBDDBF0-7657-AD45-2FC0-59D64006A677}"/>
+          <p:cNvPr id="8" name="그림 7">
+            <a:extLst>
+              <a:ext uri="{FF2B5EF4-FFF2-40B4-BE49-F238E27FC236}">
+                <a16:creationId xmlns:a16="http://schemas.microsoft.com/office/drawing/2014/main" id="{A8358D1F-DFEF-1BDA-463C-F23F88447EAB}"/>
               </a:ext>
             </a:extLst>
           </p:cNvPr>
@@ -7743,80 +7746,8 @@
         </p:blipFill>
         <p:spPr>
           <a:xfrm>
-            <a:off x="666778" y="2578608"/>
-            <a:ext cx="3711387" cy="3579176"/>
-          </a:xfrm>
-          <a:prstGeom prst="rect">
-            <a:avLst/>
-          </a:prstGeom>
-        </p:spPr>
-      </p:pic>
-      <p:sp>
-        <p:nvSpPr>
-          <p:cNvPr id="8" name="TextBox 7">
-            <a:extLst>
-              <a:ext uri="{FF2B5EF4-FFF2-40B4-BE49-F238E27FC236}">
-                <a16:creationId xmlns:a16="http://schemas.microsoft.com/office/drawing/2014/main" id="{2D5DDD99-86C6-1CB3-6218-FD08347C4D86}"/>
-              </a:ext>
-            </a:extLst>
-          </p:cNvPr>
-          <p:cNvSpPr txBox="1"/>
-          <p:nvPr/>
-        </p:nvSpPr>
-        <p:spPr>
-          <a:xfrm>
-            <a:off x="6432425" y="1663180"/>
-            <a:ext cx="4240530" cy="454292"/>
-          </a:xfrm>
-          <a:prstGeom prst="rect">
-            <a:avLst/>
-          </a:prstGeom>
-          <a:noFill/>
-        </p:spPr>
-        <p:txBody>
-          <a:bodyPr wrap="square">
-            <a:spAutoFit/>
-          </a:bodyPr>
-          <a:lstStyle/>
-          <a:p>
-            <a:pPr marL="285750" indent="-285750">
-              <a:lnSpc>
-                <a:spcPct val="150000"/>
-              </a:lnSpc>
-              <a:buFont typeface="Arial" panose="020B0604020202020204" pitchFamily="34" charset="0"/>
-              <a:buChar char="•"/>
-            </a:pPr>
-            <a:r>
-              <a:rPr lang="en-US" altLang="ko-KR" sz="1800" dirty="0"/>
-              <a:t>Interaction of queues</a:t>
-            </a:r>
-            <a:endParaRPr lang="en-US" altLang="ko-KR" sz="1400" dirty="0"/>
-          </a:p>
-        </p:txBody>
-      </p:sp>
-      <p:pic>
-        <p:nvPicPr>
-          <p:cNvPr id="10" name="그림 9">
-            <a:extLst>
-              <a:ext uri="{FF2B5EF4-FFF2-40B4-BE49-F238E27FC236}">
-                <a16:creationId xmlns:a16="http://schemas.microsoft.com/office/drawing/2014/main" id="{B522EA95-2E85-6A23-172C-9952116AC8FF}"/>
-              </a:ext>
-            </a:extLst>
-          </p:cNvPr>
-          <p:cNvPicPr>
-            <a:picLocks noChangeAspect="1"/>
-          </p:cNvPicPr>
-          <p:nvPr/>
-        </p:nvPicPr>
-        <p:blipFill rotWithShape="1">
-          <a:blip r:embed="rId3"/>
-          <a:srcRect l="726" t="15926"/>
-          <a:stretch/>
-        </p:blipFill>
-        <p:spPr>
-          <a:xfrm>
-            <a:off x="6380611" y="2705828"/>
-            <a:ext cx="5078515" cy="3451956"/>
+            <a:off x="2950607" y="1392703"/>
+            <a:ext cx="5736193" cy="5273741"/>
           </a:xfrm>
           <a:prstGeom prst="rect">
             <a:avLst/>
@@ -7826,7 +7757,7 @@
     </p:spTree>
     <p:extLst>
       <p:ext uri="{BB962C8B-B14F-4D97-AF65-F5344CB8AC3E}">
-        <p14:creationId xmlns:p14="http://schemas.microsoft.com/office/powerpoint/2010/main" val="2465031653"/>
+        <p14:creationId xmlns:p14="http://schemas.microsoft.com/office/powerpoint/2010/main" val="3007192421"/>
       </p:ext>
     </p:extLst>
   </p:cSld>
@@ -7883,7 +7814,7 @@
           <a:p>
             <a:r>
               <a:rPr lang="en-US" altLang="ko-KR" sz="4000" b="1" dirty="0"/>
-              <a:t>Effects of Congestion</a:t>
+              <a:t>Internet Mail Standards</a:t>
             </a:r>
             <a:endParaRPr lang="ko-KR" altLang="en-US" sz="4000" b="1" dirty="0"/>
           </a:p>
@@ -7962,7 +7893,7 @@
         <p:spPr>
           <a:xfrm>
             <a:off x="512472" y="1517119"/>
-            <a:ext cx="10515600" cy="5249441"/>
+            <a:ext cx="11167056" cy="5249441"/>
           </a:xfrm>
         </p:spPr>
         <p:txBody>
@@ -7978,7 +7909,7 @@
             </a:pPr>
             <a:r>
               <a:rPr lang="en-US" altLang="ko-KR" sz="2000" dirty="0"/>
-              <a:t>What typical works on a router</a:t>
+              <a:t>Post Office Protocol (POP3) : RFC 1939 </a:t>
             </a:r>
           </a:p>
           <a:p>
@@ -7989,7 +7920,18 @@
             </a:pPr>
             <a:r>
               <a:rPr lang="en-US" altLang="ko-KR" sz="1600" dirty="0"/>
-              <a:t>Packets arriving are stored at input buffers</a:t>
+              <a:t>allows an e-mail client to download an e-mail from a server </a:t>
+            </a:r>
+          </a:p>
+          <a:p>
+            <a:pPr>
+              <a:lnSpc>
+                <a:spcPct val="150000"/>
+              </a:lnSpc>
+            </a:pPr>
+            <a:r>
+              <a:rPr lang="en-US" altLang="ko-KR" sz="2000" dirty="0"/>
+              <a:t>Internet Mail Access Protocol (IMAP) : RFC 3501 </a:t>
             </a:r>
           </a:p>
           <a:p>
@@ -8000,7 +7942,18 @@
             </a:pPr>
             <a:r>
               <a:rPr lang="en-US" altLang="ko-KR" sz="1600" dirty="0"/>
-              <a:t>Routing decision made</a:t>
+              <a:t>provides stronger authentication than POP3 and provides other functions not supported by POP3, so synchronized replication </a:t>
+            </a:r>
+          </a:p>
+          <a:p>
+            <a:pPr>
+              <a:lnSpc>
+                <a:spcPct val="150000"/>
+              </a:lnSpc>
+            </a:pPr>
+            <a:r>
+              <a:rPr lang="en-US" altLang="ko-KR" sz="2000" dirty="0"/>
+              <a:t>Simple Mail Transfer Protocol (SMTP) : RFC 821 </a:t>
             </a:r>
           </a:p>
           <a:p>
@@ -8011,7 +7964,7 @@
             </a:pPr>
             <a:r>
               <a:rPr lang="en-US" altLang="ko-KR" sz="1600" dirty="0"/>
-              <a:t>Packet move to output buffer</a:t>
+              <a:t>protocol used for transfer of mail from a user agent to an MTA and from one MTA to another </a:t>
             </a:r>
           </a:p>
           <a:p>
@@ -8022,7 +7975,7 @@
             </a:pPr>
             <a:r>
               <a:rPr lang="en-US" altLang="ko-KR" sz="2000" dirty="0"/>
-              <a:t>Packets queued for output transmitted as fast as possible	</a:t>
+              <a:t>Multipurpose Internet Mail Extensions (MIME) </a:t>
             </a:r>
           </a:p>
           <a:p>
@@ -8033,40 +7986,7 @@
             </a:pPr>
             <a:r>
               <a:rPr lang="en-US" altLang="ko-KR" sz="1600" dirty="0"/>
-              <a:t>Statistical time division multiplexing</a:t>
-            </a:r>
-          </a:p>
-          <a:p>
-            <a:pPr>
-              <a:lnSpc>
-                <a:spcPct val="150000"/>
-              </a:lnSpc>
-            </a:pPr>
-            <a:r>
-              <a:rPr lang="en-US" altLang="ko-KR" sz="2000" dirty="0"/>
-              <a:t>If packets arrive to fast to be routed, or to be output, buffers will fill</a:t>
-            </a:r>
-          </a:p>
-          <a:p>
-            <a:pPr lvl="1">
-              <a:lnSpc>
-                <a:spcPct val="150000"/>
-              </a:lnSpc>
-            </a:pPr>
-            <a:r>
-              <a:rPr lang="en-US" altLang="ko-KR" sz="1600" dirty="0"/>
-              <a:t>Can discard packets</a:t>
-            </a:r>
-          </a:p>
-          <a:p>
-            <a:pPr lvl="1">
-              <a:lnSpc>
-                <a:spcPct val="150000"/>
-              </a:lnSpc>
-            </a:pPr>
-            <a:r>
-              <a:rPr lang="en-US" altLang="ko-KR" sz="1600" dirty="0"/>
-              <a:t>Can use flow control : propagate congestion though network</a:t>
+              <a:t>supplements SMTP and allows the encapsulation of multimedia messages inside of a standard SMTP message</a:t>
             </a:r>
           </a:p>
         </p:txBody>
@@ -8074,7 +7994,7 @@
     </p:spTree>
     <p:extLst>
       <p:ext uri="{BB962C8B-B14F-4D97-AF65-F5344CB8AC3E}">
-        <p14:creationId xmlns:p14="http://schemas.microsoft.com/office/powerpoint/2010/main" val="4080157452"/>
+        <p14:creationId xmlns:p14="http://schemas.microsoft.com/office/powerpoint/2010/main" val="3290259552"/>
       </p:ext>
     </p:extLst>
   </p:cSld>
@@ -8120,7 +8040,7 @@
         <p:spPr>
           <a:xfrm>
             <a:off x="512472" y="191556"/>
-            <a:ext cx="6510120" cy="1325563"/>
+            <a:ext cx="11167056" cy="1325563"/>
           </a:xfrm>
         </p:spPr>
         <p:txBody>
@@ -8130,12 +8050,8 @@
           <a:lstStyle/>
           <a:p>
             <a:r>
-              <a:rPr lang="en-US" altLang="ko-KR" sz="4000" b="1" dirty="0" err="1"/>
-              <a:t>Idel</a:t>
-            </a:r>
-            <a:r>
               <a:rPr lang="en-US" altLang="ko-KR" sz="4000" b="1" dirty="0"/>
-              <a:t> vs. Practical Performance</a:t>
+              <a:t>SMTP</a:t>
             </a:r>
             <a:endParaRPr lang="ko-KR" altLang="en-US" sz="4000" b="1" dirty="0"/>
           </a:p>
@@ -8214,7 +8130,7 @@
         <p:spPr>
           <a:xfrm>
             <a:off x="512472" y="1517119"/>
-            <a:ext cx="5851752" cy="3009161"/>
+            <a:ext cx="11167056" cy="5249441"/>
           </a:xfrm>
         </p:spPr>
         <p:txBody>
@@ -8230,7 +8146,18 @@
             </a:pPr>
             <a:r>
               <a:rPr lang="en-US" altLang="ko-KR" sz="2000" dirty="0"/>
-              <a:t>Practical performance</a:t>
+              <a:t>Aims to transfer mail between hosts in the TCP/IP suite </a:t>
+            </a:r>
+          </a:p>
+          <a:p>
+            <a:pPr>
+              <a:lnSpc>
+                <a:spcPct val="150000"/>
+              </a:lnSpc>
+            </a:pPr>
+            <a:r>
+              <a:rPr lang="en-US" altLang="ko-KR" sz="2000" dirty="0"/>
+              <a:t>Not concerned with the format or content of messages themselves, but with exceptions as </a:t>
             </a:r>
           </a:p>
           <a:p>
@@ -8241,7 +8168,7 @@
             </a:pPr>
             <a:r>
               <a:rPr lang="en-US" altLang="ko-KR" sz="1600" dirty="0"/>
-              <a:t>Ideal assumes infinite buffers and no overhead</a:t>
+              <a:t>it standardizes the message character set as 7-bit ASCII </a:t>
             </a:r>
           </a:p>
           <a:p>
@@ -8252,7 +8179,18 @@
             </a:pPr>
             <a:r>
               <a:rPr lang="en-US" altLang="ko-KR" sz="1600" dirty="0"/>
-              <a:t>But, buffers are finite</a:t>
+              <a:t>it adds log information to the start of the delivered message that indicates the path the message took </a:t>
+            </a:r>
+          </a:p>
+          <a:p>
+            <a:pPr>
+              <a:lnSpc>
+                <a:spcPct val="150000"/>
+              </a:lnSpc>
+            </a:pPr>
+            <a:r>
+              <a:rPr lang="en-US" altLang="ko-KR" sz="2000" dirty="0"/>
+              <a:t>SMTP adapts RFC 822, which defines a format for text messages that are sent using electronic mail </a:t>
             </a:r>
           </a:p>
           <a:p>
@@ -8263,23 +8201,7 @@
             </a:pPr>
             <a:r>
               <a:rPr lang="en-US" altLang="ko-KR" sz="1600" dirty="0"/>
-              <a:t>Overheads occur in exchanging control </a:t>
-            </a:r>
-            <a:r>
-              <a:rPr lang="en-US" altLang="ko-KR" sz="1600" dirty="0" err="1"/>
-              <a:t>msgs</a:t>
-            </a:r>
-            <a:endParaRPr lang="en-US" altLang="ko-KR" sz="1600" dirty="0"/>
-          </a:p>
-          <a:p>
-            <a:pPr>
-              <a:lnSpc>
-                <a:spcPct val="150000"/>
-              </a:lnSpc>
-            </a:pPr>
-            <a:r>
-              <a:rPr lang="en-US" altLang="ko-KR" sz="2000" dirty="0"/>
-              <a:t>Effects of congestion</a:t>
+              <a:t>an envelope : contains whatever information is needed to accomplish transmission and delivery </a:t>
             </a:r>
           </a:p>
           <a:p>
@@ -8290,74 +8212,15 @@
             </a:pPr>
             <a:r>
               <a:rPr lang="en-US" altLang="ko-KR" sz="1600" dirty="0"/>
-              <a:t>With no control</a:t>
-            </a:r>
-          </a:p>
-        </p:txBody>
-      </p:sp>
-      <p:pic>
-        <p:nvPicPr>
-          <p:cNvPr id="6" name="그림 5">
-            <a:extLst>
-              <a:ext uri="{FF2B5EF4-FFF2-40B4-BE49-F238E27FC236}">
-                <a16:creationId xmlns:a16="http://schemas.microsoft.com/office/drawing/2014/main" id="{1AD66865-C504-1B9D-10AB-3B91A7B35A02}"/>
-              </a:ext>
-            </a:extLst>
-          </p:cNvPr>
-          <p:cNvPicPr>
-            <a:picLocks noChangeAspect="1"/>
-          </p:cNvPicPr>
-          <p:nvPr/>
-        </p:nvPicPr>
-        <p:blipFill rotWithShape="1">
-          <a:blip r:embed="rId2"/>
-          <a:srcRect l="7042" t="706" r="1750" b="865"/>
-          <a:stretch/>
-        </p:blipFill>
-        <p:spPr>
-          <a:xfrm>
-            <a:off x="7196329" y="273075"/>
-            <a:ext cx="4315967" cy="6311850"/>
-          </a:xfrm>
-          <a:prstGeom prst="rect">
-            <a:avLst/>
-          </a:prstGeom>
-        </p:spPr>
-      </p:pic>
-      <p:pic>
-        <p:nvPicPr>
-          <p:cNvPr id="8" name="그림 7">
-            <a:extLst>
-              <a:ext uri="{FF2B5EF4-FFF2-40B4-BE49-F238E27FC236}">
-                <a16:creationId xmlns:a16="http://schemas.microsoft.com/office/drawing/2014/main" id="{8299D757-83EC-1A67-5C13-11F35468A0A1}"/>
-              </a:ext>
-            </a:extLst>
-          </p:cNvPr>
-          <p:cNvPicPr>
-            <a:picLocks noChangeAspect="1"/>
-          </p:cNvPicPr>
-          <p:nvPr/>
-        </p:nvPicPr>
-        <p:blipFill>
-          <a:blip r:embed="rId3"/>
-          <a:stretch>
-            <a:fillRect/>
-          </a:stretch>
-        </p:blipFill>
-        <p:spPr>
-          <a:xfrm>
-            <a:off x="3267469" y="4142233"/>
-            <a:ext cx="3657573" cy="2204452"/>
-          </a:xfrm>
-          <a:prstGeom prst="rect">
-            <a:avLst/>
-          </a:prstGeom>
-        </p:spPr>
-      </p:pic>
+              <a:t>contents : comprise the object to be delivered to the recipient</a:t>
+            </a:r>
+          </a:p>
+        </p:txBody>
+      </p:sp>
     </p:spTree>
     <p:extLst>
       <p:ext uri="{BB962C8B-B14F-4D97-AF65-F5344CB8AC3E}">
-        <p14:creationId xmlns:p14="http://schemas.microsoft.com/office/powerpoint/2010/main" val="3526177156"/>
+        <p14:creationId xmlns:p14="http://schemas.microsoft.com/office/powerpoint/2010/main" val="1517641402"/>
       </p:ext>
     </p:extLst>
   </p:cSld>
@@ -8414,7 +8277,7 @@
           <a:p>
             <a:r>
               <a:rPr lang="en-US" altLang="ko-KR" sz="4000" b="1" dirty="0"/>
-              <a:t>Mechanisms for Congestion Control</a:t>
+              <a:t>SMTP Mail Flow</a:t>
             </a:r>
             <a:endParaRPr lang="ko-KR" altLang="en-US" sz="4000" b="1" dirty="0"/>
           </a:p>
@@ -8479,7 +8342,7 @@
           <p:cNvPr id="8" name="그림 7">
             <a:extLst>
               <a:ext uri="{FF2B5EF4-FFF2-40B4-BE49-F238E27FC236}">
-                <a16:creationId xmlns:a16="http://schemas.microsoft.com/office/drawing/2014/main" id="{F27DB1E9-789A-D5B5-2951-6F447BA415D9}"/>
+                <a16:creationId xmlns:a16="http://schemas.microsoft.com/office/drawing/2014/main" id="{DAF24331-8723-EEED-7C7A-60E921D2F582}"/>
               </a:ext>
             </a:extLst>
           </p:cNvPr>
@@ -8496,8 +8359,8 @@
         </p:blipFill>
         <p:spPr>
           <a:xfrm>
-            <a:off x="2085415" y="1663423"/>
-            <a:ext cx="8021169" cy="3886742"/>
+            <a:off x="5358394" y="854337"/>
+            <a:ext cx="5138918" cy="5737538"/>
           </a:xfrm>
           <a:prstGeom prst="rect">
             <a:avLst/>
@@ -8507,7 +8370,7 @@
     </p:spTree>
     <p:extLst>
       <p:ext uri="{BB962C8B-B14F-4D97-AF65-F5344CB8AC3E}">
-        <p14:creationId xmlns:p14="http://schemas.microsoft.com/office/powerpoint/2010/main" val="49060811"/>
+        <p14:creationId xmlns:p14="http://schemas.microsoft.com/office/powerpoint/2010/main" val="1164689111"/>
       </p:ext>
     </p:extLst>
   </p:cSld>
@@ -8564,7 +8427,7 @@
           <a:p>
             <a:r>
               <a:rPr lang="en-US" altLang="ko-KR" sz="4000" b="1" dirty="0"/>
-              <a:t>Backpressure</a:t>
+              <a:t>Limitations of SMTP/822</a:t>
             </a:r>
             <a:endParaRPr lang="ko-KR" altLang="en-US" sz="4000" b="1" dirty="0"/>
           </a:p>
@@ -8643,7 +8506,7 @@
         <p:spPr>
           <a:xfrm>
             <a:off x="512472" y="1517119"/>
-            <a:ext cx="10515600" cy="5249441"/>
+            <a:ext cx="11167056" cy="5249441"/>
           </a:xfrm>
         </p:spPr>
         <p:txBody>
@@ -8659,7 +8522,7 @@
             </a:pPr>
             <a:r>
               <a:rPr lang="en-US" altLang="ko-KR" sz="2000" dirty="0"/>
-              <a:t>If a node becomes congested it can slow down or halt flow of packets from other nodes</a:t>
+              <a:t>SMTP/822 </a:t>
             </a:r>
           </a:p>
           <a:p>
@@ -8670,7 +8533,7 @@
             </a:pPr>
             <a:r>
               <a:rPr lang="en-US" altLang="ko-KR" sz="1600" dirty="0"/>
-              <a:t>Then, other nodes have to apply control on incoming packet rates</a:t>
+              <a:t>cannot transmit executable files or binary objects </a:t>
             </a:r>
           </a:p>
           <a:p>
@@ -8681,18 +8544,7 @@
             </a:pPr>
             <a:r>
               <a:rPr lang="en-US" altLang="ko-KR" sz="1600" dirty="0"/>
-              <a:t>Flow restriction propagates backward to sources, which are restricted in the flow of new packets into the network</a:t>
-            </a:r>
-          </a:p>
-          <a:p>
-            <a:pPr>
-              <a:lnSpc>
-                <a:spcPct val="150000"/>
-              </a:lnSpc>
-            </a:pPr>
-            <a:r>
-              <a:rPr lang="en-US" altLang="ko-KR" sz="2000" dirty="0"/>
-              <a:t>Can be exerted on the basis on links or logical connections</a:t>
+              <a:t>cannot transmit text data that includes national language characters </a:t>
             </a:r>
           </a:p>
           <a:p>
@@ -8703,27 +8555,37 @@
             </a:pPr>
             <a:r>
               <a:rPr lang="en-US" altLang="ko-KR" sz="1600" dirty="0"/>
-              <a:t>Can be selectively applied to logical connections so that the flow from one node to the next is only restricted on some connections</a:t>
-            </a:r>
-          </a:p>
-          <a:p>
-            <a:pPr>
-              <a:lnSpc>
-                <a:spcPct val="150000"/>
-              </a:lnSpc>
-            </a:pPr>
-            <a:r>
-              <a:rPr lang="en-US" altLang="ko-KR" sz="2000" dirty="0"/>
-              <a:t>Only recently developed for IP</a:t>
-            </a:r>
-            <a:endParaRPr lang="en-US" altLang="ko-KR" sz="1600" dirty="0"/>
+              <a:t>may reject mail messages over a certain size </a:t>
+            </a:r>
+          </a:p>
+          <a:p>
+            <a:pPr lvl="1">
+              <a:lnSpc>
+                <a:spcPct val="150000"/>
+              </a:lnSpc>
+            </a:pPr>
+            <a:r>
+              <a:rPr lang="en-US" altLang="ko-KR" sz="1600" dirty="0"/>
+              <a:t>some implementations do not adhere completely to the SMTP standards defined in RFC 821 </a:t>
+            </a:r>
+          </a:p>
+          <a:p>
+            <a:pPr lvl="1">
+              <a:lnSpc>
+                <a:spcPct val="150000"/>
+              </a:lnSpc>
+            </a:pPr>
+            <a:r>
+              <a:rPr lang="en-US" altLang="ko-KR" sz="1600" dirty="0"/>
+              <a:t>SMTP gateways that translate between ASCII and EBCDIC do not use a consistent set of mappings, resulting in translation problems</a:t>
+            </a:r>
           </a:p>
         </p:txBody>
       </p:sp>
     </p:spTree>
     <p:extLst>
       <p:ext uri="{BB962C8B-B14F-4D97-AF65-F5344CB8AC3E}">
-        <p14:creationId xmlns:p14="http://schemas.microsoft.com/office/powerpoint/2010/main" val="3371815402"/>
+        <p14:creationId xmlns:p14="http://schemas.microsoft.com/office/powerpoint/2010/main" val="2695004446"/>
       </p:ext>
     </p:extLst>
   </p:cSld>
@@ -8780,7 +8642,7 @@
           <a:p>
             <a:r>
               <a:rPr lang="en-US" altLang="ko-KR" sz="4000" b="1" dirty="0"/>
-              <a:t>Choke Packet</a:t>
+              <a:t>MIME (1)</a:t>
             </a:r>
             <a:endParaRPr lang="ko-KR" altLang="en-US" sz="4000" b="1" dirty="0"/>
           </a:p>
@@ -8859,7 +8721,7 @@
         <p:spPr>
           <a:xfrm>
             <a:off x="512472" y="1517119"/>
-            <a:ext cx="10515600" cy="5249441"/>
+            <a:ext cx="11167056" cy="5249441"/>
           </a:xfrm>
         </p:spPr>
         <p:txBody>
@@ -8875,7 +8737,7 @@
             </a:pPr>
             <a:r>
               <a:rPr lang="en-US" altLang="ko-KR" sz="2000" dirty="0"/>
-              <a:t>Control packet</a:t>
+              <a:t>Extension to the RFC 822 framework that </a:t>
             </a:r>
           </a:p>
           <a:p>
@@ -8886,7 +8748,18 @@
             </a:pPr>
             <a:r>
               <a:rPr lang="en-US" altLang="ko-KR" sz="1600" dirty="0"/>
-              <a:t>Generated at congested node</a:t>
+              <a:t>is intended to address some of the problems and limitations of the use of SMTP and RFC 822 for electronic mail </a:t>
+            </a:r>
+          </a:p>
+          <a:p>
+            <a:pPr>
+              <a:lnSpc>
+                <a:spcPct val="150000"/>
+              </a:lnSpc>
+            </a:pPr>
+            <a:r>
+              <a:rPr lang="en-US" altLang="ko-KR" sz="2000" dirty="0"/>
+              <a:t>Includes the following elements: </a:t>
             </a:r>
           </a:p>
           <a:p>
@@ -8897,18 +8770,7 @@
             </a:pPr>
             <a:r>
               <a:rPr lang="en-US" altLang="ko-KR" sz="1600" dirty="0"/>
-              <a:t>Sent to source node</a:t>
-            </a:r>
-          </a:p>
-          <a:p>
-            <a:pPr>
-              <a:lnSpc>
-                <a:spcPct val="150000"/>
-              </a:lnSpc>
-            </a:pPr>
-            <a:r>
-              <a:rPr lang="en-US" altLang="ko-KR" sz="2000" dirty="0"/>
-              <a:t>An example is Internet Control Message Protocol (ICMP) source quench packet</a:t>
+              <a:t>five new message header fields are defined, which may be included in an RFC 822 header </a:t>
             </a:r>
           </a:p>
           <a:p>
@@ -8919,7 +8781,7 @@
             </a:pPr>
             <a:r>
               <a:rPr lang="en-US" altLang="ko-KR" sz="1600" dirty="0"/>
-              <a:t>From router or destination end system</a:t>
+              <a:t>a number of content formats are defined, thus standardizing representations that support multimedia electronic mail </a:t>
             </a:r>
           </a:p>
           <a:p>
@@ -8930,49 +8792,15 @@
             </a:pPr>
             <a:r>
               <a:rPr lang="en-US" altLang="ko-KR" sz="1600" dirty="0"/>
-              <a:t>Source cuts back until it no longer receives quench messages</a:t>
-            </a:r>
-          </a:p>
-          <a:p>
-            <a:pPr lvl="1">
-              <a:lnSpc>
-                <a:spcPct val="150000"/>
-              </a:lnSpc>
-            </a:pPr>
-            <a:r>
-              <a:rPr lang="en-US" altLang="ko-KR" sz="1600" dirty="0"/>
-              <a:t>Message is issued for every discarded packet</a:t>
-            </a:r>
-          </a:p>
-          <a:p>
-            <a:pPr lvl="1">
-              <a:lnSpc>
-                <a:spcPct val="150000"/>
-              </a:lnSpc>
-            </a:pPr>
-            <a:r>
-              <a:rPr lang="en-US" altLang="ko-KR" sz="1600" dirty="0"/>
-              <a:t>Message may also be issued for anticipated congestion</a:t>
-            </a:r>
-          </a:p>
-          <a:p>
-            <a:pPr>
-              <a:lnSpc>
-                <a:spcPct val="150000"/>
-              </a:lnSpc>
-            </a:pPr>
-            <a:r>
-              <a:rPr lang="en-US" altLang="ko-KR" sz="2000" dirty="0"/>
-              <a:t>Crude control technique</a:t>
-            </a:r>
-            <a:endParaRPr lang="en-US" altLang="ko-KR" sz="1600" dirty="0"/>
+              <a:t>transfer encodings are defined that enable the conversion of any content format into a form that is protected from the mail system</a:t>
+            </a:r>
           </a:p>
         </p:txBody>
       </p:sp>
     </p:spTree>
     <p:extLst>
       <p:ext uri="{BB962C8B-B14F-4D97-AF65-F5344CB8AC3E}">
-        <p14:creationId xmlns:p14="http://schemas.microsoft.com/office/powerpoint/2010/main" val="1800342195"/>
+        <p14:creationId xmlns:p14="http://schemas.microsoft.com/office/powerpoint/2010/main" val="1710838386"/>
       </p:ext>
     </p:extLst>
   </p:cSld>
